--- a/db/Presentation1.pptx
+++ b/db/Presentation1.pptx
@@ -5,16 +5,17 @@
     <p:sldMasterId id="2147483648" r:id="rId1"/>
   </p:sldMasterIdLst>
   <p:notesMasterIdLst>
-    <p:notesMasterId r:id="rId7"/>
+    <p:notesMasterId r:id="rId8"/>
   </p:notesMasterIdLst>
   <p:handoutMasterIdLst>
-    <p:handoutMasterId r:id="rId8"/>
+    <p:handoutMasterId r:id="rId9"/>
   </p:handoutMasterIdLst>
   <p:sldIdLst>
     <p:sldId id="256" r:id="rId3"/>
     <p:sldId id="257" r:id="rId4"/>
     <p:sldId id="258" r:id="rId5"/>
     <p:sldId id="259" r:id="rId6"/>
+    <p:sldId id="260" r:id="rId7"/>
   </p:sldIdLst>
   <p:sldSz cx="12192000" cy="6858000"/>
   <p:notesSz cx="7103745" cy="10234295"/>
@@ -3783,14 +3784,14 @@
           </a:bodyPr>
           <a:p>
             <a:r>
-              <a:rPr lang="" altLang="en-US" sz="2800" b="1">
+              <a:rPr lang="en-US" altLang="en-US" sz="2800" b="1">
                 <a:solidFill>
                   <a:srgbClr val="EDF2F9"/>
                 </a:solidFill>
               </a:rPr>
               <a:t>Data base</a:t>
             </a:r>
-            <a:endParaRPr lang="" altLang="en-US" sz="2800" b="1">
+            <a:endParaRPr lang="en-US" altLang="en-US" sz="2800" b="1">
               <a:solidFill>
                 <a:srgbClr val="EDF2F9"/>
               </a:solidFill>
@@ -4024,14 +4025,14 @@
           </a:bodyPr>
           <a:p>
             <a:r>
-              <a:rPr lang="" altLang="en-US" sz="2800" b="1">
+              <a:rPr lang="en-US" altLang="en-US" sz="2800" b="1">
                 <a:solidFill>
                   <a:srgbClr val="EDF2F9"/>
                 </a:solidFill>
               </a:rPr>
               <a:t>Spanner</a:t>
             </a:r>
-            <a:endParaRPr lang="" altLang="en-US" sz="2800" b="1">
+            <a:endParaRPr lang="en-US" altLang="en-US" sz="2800" b="1">
               <a:solidFill>
                 <a:srgbClr val="EDF2F9"/>
               </a:solidFill>
@@ -4099,14 +4100,14 @@
           <a:p>
             <a:pPr algn="ctr"/>
             <a:r>
-              <a:rPr lang="" altLang="en-US">
+              <a:rPr lang="en-US" altLang="en-US">
                 <a:solidFill>
                   <a:srgbClr val="ECF2F8"/>
                 </a:solidFill>
               </a:rPr>
               <a:t>Instance</a:t>
             </a:r>
-            <a:endParaRPr lang="" altLang="en-US">
+            <a:endParaRPr lang="en-US" altLang="en-US">
               <a:solidFill>
                 <a:srgbClr val="ECF2F8"/>
               </a:solidFill>
@@ -4156,14 +4157,14 @@
           <a:p>
             <a:pPr algn="ctr"/>
             <a:r>
-              <a:rPr lang="" altLang="en-US">
+              <a:rPr lang="en-US" altLang="en-US">
                 <a:solidFill>
                   <a:srgbClr val="ECF2F8"/>
                 </a:solidFill>
               </a:rPr>
               <a:t>DB A</a:t>
             </a:r>
-            <a:endParaRPr lang="" altLang="en-US">
+            <a:endParaRPr lang="en-US" altLang="en-US">
               <a:solidFill>
                 <a:srgbClr val="ECF2F8"/>
               </a:solidFill>
@@ -4218,17 +4219,9 @@
                   <a:srgbClr val="ECF2F8"/>
                 </a:solidFill>
               </a:rPr>
-              <a:t>DB </a:t>
-            </a:r>
-            <a:r>
-              <a:rPr lang="" altLang="en-US">
-                <a:solidFill>
-                  <a:srgbClr val="ECF2F8"/>
-                </a:solidFill>
-              </a:rPr>
-              <a:t>B</a:t>
-            </a:r>
-            <a:endParaRPr lang="" altLang="en-US">
+              <a:t>DB B</a:t>
+            </a:r>
+            <a:endParaRPr lang="en-US" altLang="en-US">
               <a:solidFill>
                 <a:srgbClr val="ECF2F8"/>
               </a:solidFill>
@@ -4283,17 +4276,9 @@
                   <a:srgbClr val="ECF2F8"/>
                 </a:solidFill>
               </a:rPr>
-              <a:t>DB </a:t>
-            </a:r>
-            <a:r>
-              <a:rPr lang="" altLang="en-US">
-                <a:solidFill>
-                  <a:srgbClr val="ECF2F8"/>
-                </a:solidFill>
-              </a:rPr>
-              <a:t>C</a:t>
-            </a:r>
-            <a:endParaRPr lang="" altLang="en-US">
+              <a:t>DB C</a:t>
+            </a:r>
+            <a:endParaRPr lang="en-US" altLang="en-US">
               <a:solidFill>
                 <a:srgbClr val="ECF2F8"/>
               </a:solidFill>
@@ -4348,17 +4333,9 @@
                   <a:srgbClr val="ECF2F8"/>
                 </a:solidFill>
               </a:rPr>
-              <a:t>DB </a:t>
-            </a:r>
-            <a:r>
-              <a:rPr lang="" altLang="en-US">
-                <a:solidFill>
-                  <a:srgbClr val="ECF2F8"/>
-                </a:solidFill>
-              </a:rPr>
-              <a:t>D</a:t>
-            </a:r>
-            <a:endParaRPr lang="" altLang="en-US">
+              <a:t>DB D</a:t>
+            </a:r>
+            <a:endParaRPr lang="en-US" altLang="en-US">
               <a:solidFill>
                 <a:srgbClr val="ECF2F8"/>
               </a:solidFill>
@@ -4413,17 +4390,9 @@
                   <a:srgbClr val="ECF2F8"/>
                 </a:solidFill>
               </a:rPr>
-              <a:t>DB </a:t>
-            </a:r>
-            <a:r>
-              <a:rPr lang="" altLang="en-US">
-                <a:solidFill>
-                  <a:srgbClr val="ECF2F8"/>
-                </a:solidFill>
-              </a:rPr>
-              <a:t>E</a:t>
-            </a:r>
-            <a:endParaRPr lang="" altLang="en-US">
+              <a:t>DB E</a:t>
+            </a:r>
+            <a:endParaRPr lang="en-US" altLang="en-US">
               <a:solidFill>
                 <a:srgbClr val="ECF2F8"/>
               </a:solidFill>
@@ -5391,18 +5360,9 @@
                 </a:solidFill>
                 <a:sym typeface="+mn-ea"/>
               </a:rPr>
-              <a:t>Table </a:t>
-            </a:r>
-            <a:r>
-              <a:rPr lang="" altLang="en-US">
-                <a:solidFill>
-                  <a:srgbClr val="ECF2F8"/>
-                </a:solidFill>
-                <a:sym typeface="+mn-ea"/>
-              </a:rPr>
-              <a:t>4</a:t>
-            </a:r>
-            <a:endParaRPr lang="" altLang="en-US">
+              <a:t>Table 4</a:t>
+            </a:r>
+            <a:endParaRPr lang="en-US" altLang="en-US">
               <a:solidFill>
                 <a:srgbClr val="ECF2F8"/>
               </a:solidFill>
@@ -5459,18 +5419,9 @@
                 </a:solidFill>
                 <a:sym typeface="+mn-ea"/>
               </a:rPr>
-              <a:t>Table </a:t>
-            </a:r>
-            <a:r>
-              <a:rPr lang="" altLang="en-US">
-                <a:solidFill>
-                  <a:srgbClr val="ECF2F8"/>
-                </a:solidFill>
-                <a:sym typeface="+mn-ea"/>
-              </a:rPr>
-              <a:t>5</a:t>
-            </a:r>
-            <a:endParaRPr lang="" altLang="en-US">
+              <a:t>Table 5</a:t>
+            </a:r>
+            <a:endParaRPr lang="en-US" altLang="en-US">
               <a:solidFill>
                 <a:srgbClr val="ECF2F8"/>
               </a:solidFill>
@@ -5521,14 +5472,14 @@
           <a:p>
             <a:pPr algn="ctr"/>
             <a:r>
-              <a:rPr lang="" altLang="en-US">
+              <a:rPr lang="en-US" altLang="en-US">
                 <a:solidFill>
                   <a:srgbClr val="ECF2F8"/>
                 </a:solidFill>
               </a:rPr>
               <a:t>Table 1</a:t>
             </a:r>
-            <a:endParaRPr lang="" altLang="en-US">
+            <a:endParaRPr lang="en-US" altLang="en-US">
               <a:solidFill>
                 <a:srgbClr val="ECF2F8"/>
               </a:solidFill>
@@ -5584,18 +5535,9 @@
                 </a:solidFill>
                 <a:sym typeface="+mn-ea"/>
               </a:rPr>
-              <a:t>Table </a:t>
-            </a:r>
-            <a:r>
-              <a:rPr lang="" altLang="en-US">
-                <a:solidFill>
-                  <a:srgbClr val="ECF2F8"/>
-                </a:solidFill>
-                <a:sym typeface="+mn-ea"/>
-              </a:rPr>
-              <a:t>2</a:t>
-            </a:r>
-            <a:endParaRPr lang="" altLang="en-US">
+              <a:t>Table 2</a:t>
+            </a:r>
+            <a:endParaRPr lang="en-US" altLang="en-US">
               <a:solidFill>
                 <a:srgbClr val="ECF2F8"/>
               </a:solidFill>
@@ -5652,16 +5594,7 @@
                 </a:solidFill>
                 <a:sym typeface="+mn-ea"/>
               </a:rPr>
-              <a:t>Table </a:t>
-            </a:r>
-            <a:r>
-              <a:rPr lang="" altLang="en-US">
-                <a:solidFill>
-                  <a:srgbClr val="ECF2F8"/>
-                </a:solidFill>
-                <a:sym typeface="+mn-ea"/>
-              </a:rPr>
-              <a:t>3</a:t>
+              <a:t>Table 3</a:t>
             </a:r>
             <a:endParaRPr lang="en-US" altLang="en-US">
               <a:solidFill>
@@ -6175,18 +6108,9 @@
                 </a:solidFill>
                 <a:sym typeface="+mn-ea"/>
               </a:rPr>
-              <a:t>split </a:t>
-            </a:r>
-            <a:r>
-              <a:rPr lang="" altLang="en-US">
-                <a:solidFill>
-                  <a:srgbClr val="ECF2F8"/>
-                </a:solidFill>
-                <a:sym typeface="+mn-ea"/>
-              </a:rPr>
-              <a:t>4</a:t>
-            </a:r>
-            <a:endParaRPr lang="" altLang="en-US">
+              <a:t>split 4</a:t>
+            </a:r>
+            <a:endParaRPr lang="en-US" altLang="en-US">
               <a:solidFill>
                 <a:srgbClr val="ECF2F8"/>
               </a:solidFill>
@@ -6243,18 +6167,9 @@
                 </a:solidFill>
                 <a:sym typeface="+mn-ea"/>
               </a:rPr>
-              <a:t>split </a:t>
-            </a:r>
-            <a:r>
-              <a:rPr lang="" altLang="en-US">
-                <a:solidFill>
-                  <a:srgbClr val="ECF2F8"/>
-                </a:solidFill>
-                <a:sym typeface="+mn-ea"/>
-              </a:rPr>
-              <a:t>5</a:t>
-            </a:r>
-            <a:endParaRPr lang="" altLang="en-US">
+              <a:t>split 5</a:t>
+            </a:r>
+            <a:endParaRPr lang="en-US" altLang="en-US">
               <a:solidFill>
                 <a:srgbClr val="ECF2F8"/>
               </a:solidFill>
@@ -6305,7 +6220,7 @@
           <a:p>
             <a:pPr algn="ctr"/>
             <a:r>
-              <a:rPr lang="" altLang="en-US">
+              <a:rPr lang="en-US" altLang="en-US">
                 <a:solidFill>
                   <a:srgbClr val="ECF2F8"/>
                 </a:solidFill>
@@ -6368,18 +6283,9 @@
                 </a:solidFill>
                 <a:sym typeface="+mn-ea"/>
               </a:rPr>
-              <a:t>split </a:t>
-            </a:r>
-            <a:r>
-              <a:rPr lang="" altLang="en-US">
-                <a:solidFill>
-                  <a:srgbClr val="ECF2F8"/>
-                </a:solidFill>
-                <a:sym typeface="+mn-ea"/>
-              </a:rPr>
-              <a:t>2</a:t>
-            </a:r>
-            <a:endParaRPr lang="" altLang="en-US">
+              <a:t>split 2</a:t>
+            </a:r>
+            <a:endParaRPr lang="en-US" altLang="en-US">
               <a:solidFill>
                 <a:srgbClr val="ECF2F8"/>
               </a:solidFill>
@@ -6436,18 +6342,9 @@
                 </a:solidFill>
                 <a:sym typeface="+mn-ea"/>
               </a:rPr>
-              <a:t>split </a:t>
-            </a:r>
-            <a:r>
-              <a:rPr lang="" altLang="en-US">
-                <a:solidFill>
-                  <a:srgbClr val="ECF2F8"/>
-                </a:solidFill>
-                <a:sym typeface="+mn-ea"/>
-              </a:rPr>
-              <a:t>3</a:t>
-            </a:r>
-            <a:endParaRPr lang="" altLang="en-US">
+              <a:t>split 3</a:t>
+            </a:r>
+            <a:endParaRPr lang="en-US" altLang="en-US">
               <a:solidFill>
                 <a:srgbClr val="ECF2F8"/>
               </a:solidFill>
@@ -6672,6 +6569,49 @@
           </a:fontRef>
         </p:style>
       </p:cxnSp>
+    </p:spTree>
+  </p:cSld>
+  <p:clrMapOvr>
+    <a:masterClrMapping/>
+  </p:clrMapOvr>
+</p:sld>
+</file>
+
+<file path=ppt/slides/slide5.xml><?xml version="1.0" encoding="utf-8"?>
+<p:sld xmlns:a="http://schemas.openxmlformats.org/drawingml/2006/main" xmlns:r="http://schemas.openxmlformats.org/officeDocument/2006/relationships" xmlns:p="http://schemas.openxmlformats.org/presentationml/2006/main">
+  <p:cSld>
+    <p:spTree>
+      <p:nvGrpSpPr>
+        <p:cNvPr id="1" name=""/>
+        <p:cNvGrpSpPr/>
+        <p:nvPr/>
+      </p:nvGrpSpPr>
+      <p:grpSpPr/>
+      <p:pic>
+        <p:nvPicPr>
+          <p:cNvPr id="2" name="Picture 1"/>
+          <p:cNvPicPr>
+            <a:picLocks noChangeAspect="1"/>
+          </p:cNvPicPr>
+          <p:nvPr/>
+        </p:nvPicPr>
+        <p:blipFill>
+          <a:blip r:embed="rId1"/>
+          <a:srcRect l="21764" r="21380"/>
+          <a:stretch>
+            <a:fillRect/>
+          </a:stretch>
+        </p:blipFill>
+        <p:spPr>
+          <a:xfrm>
+            <a:off x="3342005" y="832485"/>
+            <a:ext cx="5545455" cy="5034915"/>
+          </a:xfrm>
+          <a:prstGeom prst="ellipse">
+            <a:avLst/>
+          </a:prstGeom>
+        </p:spPr>
+      </p:pic>
     </p:spTree>
   </p:cSld>
   <p:clrMapOvr>

--- a/db/Presentation1.pptx
+++ b/db/Presentation1.pptx
@@ -5,10 +5,10 @@
     <p:sldMasterId id="2147483648" r:id="rId1"/>
   </p:sldMasterIdLst>
   <p:notesMasterIdLst>
-    <p:notesMasterId r:id="rId8"/>
+    <p:notesMasterId r:id="rId9"/>
   </p:notesMasterIdLst>
   <p:handoutMasterIdLst>
-    <p:handoutMasterId r:id="rId9"/>
+    <p:handoutMasterId r:id="rId10"/>
   </p:handoutMasterIdLst>
   <p:sldIdLst>
     <p:sldId id="256" r:id="rId3"/>
@@ -16,6 +16,7 @@
     <p:sldId id="258" r:id="rId5"/>
     <p:sldId id="259" r:id="rId6"/>
     <p:sldId id="260" r:id="rId7"/>
+    <p:sldId id="261" r:id="rId8"/>
   </p:sldIdLst>
   <p:sldSz cx="12192000" cy="6858000"/>
   <p:notesSz cx="7103745" cy="10234295"/>
@@ -6612,6 +6613,1250 @@
           </a:prstGeom>
         </p:spPr>
       </p:pic>
+    </p:spTree>
+  </p:cSld>
+  <p:clrMapOvr>
+    <a:masterClrMapping/>
+  </p:clrMapOvr>
+</p:sld>
+</file>
+
+<file path=ppt/slides/slide6.xml><?xml version="1.0" encoding="utf-8"?>
+<p:sld xmlns:a="http://schemas.openxmlformats.org/drawingml/2006/main" xmlns:r="http://schemas.openxmlformats.org/officeDocument/2006/relationships" xmlns:p="http://schemas.openxmlformats.org/presentationml/2006/main">
+  <p:cSld>
+    <p:spTree>
+      <p:nvGrpSpPr>
+        <p:cNvPr id="1" name=""/>
+        <p:cNvGrpSpPr/>
+        <p:nvPr/>
+      </p:nvGrpSpPr>
+      <p:grpSpPr/>
+      <p:sp>
+        <p:nvSpPr>
+          <p:cNvPr id="46" name="Rounded Rectangle 45"/>
+          <p:cNvSpPr/>
+          <p:nvPr/>
+        </p:nvSpPr>
+        <p:spPr>
+          <a:xfrm>
+            <a:off x="4776470" y="2110105"/>
+            <a:ext cx="1420495" cy="884555"/>
+          </a:xfrm>
+          <a:prstGeom prst="roundRect">
+            <a:avLst/>
+          </a:prstGeom>
+          <a:solidFill>
+            <a:srgbClr val="0095C0"/>
+          </a:solidFill>
+          <a:ln>
+            <a:noFill/>
+          </a:ln>
+        </p:spPr>
+        <p:style>
+          <a:lnRef idx="2">
+            <a:schemeClr val="accent1">
+              <a:shade val="50000"/>
+            </a:schemeClr>
+          </a:lnRef>
+          <a:fillRef idx="1">
+            <a:schemeClr val="accent1"/>
+          </a:fillRef>
+          <a:effectRef idx="0">
+            <a:schemeClr val="accent1"/>
+          </a:effectRef>
+          <a:fontRef idx="minor">
+            <a:schemeClr val="lt1"/>
+          </a:fontRef>
+        </p:style>
+        <p:txBody>
+          <a:bodyPr rtlCol="0" anchor="ctr"/>
+          <a:p>
+            <a:pPr algn="ctr"/>
+            <a:r>
+              <a:rPr lang="" altLang="en-US" sz="1200" b="1">
+                <a:solidFill>
+                  <a:srgbClr val="ECF2F8"/>
+                </a:solidFill>
+              </a:rPr>
+              <a:t>SV detection</a:t>
+            </a:r>
+            <a:endParaRPr lang="" altLang="en-US" sz="1200">
+              <a:solidFill>
+                <a:srgbClr val="ECF2F8"/>
+              </a:solidFill>
+            </a:endParaRPr>
+          </a:p>
+          <a:p>
+            <a:pPr algn="ctr"/>
+            <a:r>
+              <a:rPr lang="" altLang="en-US" sz="1200">
+                <a:solidFill>
+                  <a:srgbClr val="ECF2F8"/>
+                </a:solidFill>
+              </a:rPr>
+              <a:t>Lumpy/</a:t>
+            </a:r>
+            <a:endParaRPr lang="" altLang="en-US" sz="1200">
+              <a:solidFill>
+                <a:srgbClr val="ECF2F8"/>
+              </a:solidFill>
+            </a:endParaRPr>
+          </a:p>
+          <a:p>
+            <a:pPr algn="ctr"/>
+            <a:r>
+              <a:rPr lang="" altLang="en-US" sz="1200">
+                <a:solidFill>
+                  <a:srgbClr val="ECF2F8"/>
+                </a:solidFill>
+              </a:rPr>
+              <a:t>Sniffles</a:t>
+            </a:r>
+            <a:endParaRPr lang="" altLang="en-US" sz="1200">
+              <a:solidFill>
+                <a:srgbClr val="ECF2F8"/>
+              </a:solidFill>
+            </a:endParaRPr>
+          </a:p>
+        </p:txBody>
+      </p:sp>
+      <p:pic>
+        <p:nvPicPr>
+          <p:cNvPr id="3" name="Picture 2"/>
+          <p:cNvPicPr>
+            <a:picLocks noChangeAspect="1"/>
+          </p:cNvPicPr>
+          <p:nvPr/>
+        </p:nvPicPr>
+        <p:blipFill>
+          <a:blip r:embed="rId1"/>
+          <a:stretch>
+            <a:fillRect/>
+          </a:stretch>
+        </p:blipFill>
+        <p:spPr>
+          <a:xfrm>
+            <a:off x="422275" y="1927860"/>
+            <a:ext cx="595630" cy="996950"/>
+          </a:xfrm>
+          <a:prstGeom prst="rect">
+            <a:avLst/>
+          </a:prstGeom>
+        </p:spPr>
+      </p:pic>
+      <p:sp>
+        <p:nvSpPr>
+          <p:cNvPr id="4" name="Rounded Rectangle 3"/>
+          <p:cNvSpPr/>
+          <p:nvPr/>
+        </p:nvSpPr>
+        <p:spPr>
+          <a:xfrm>
+            <a:off x="1499870" y="2550795"/>
+            <a:ext cx="1547495" cy="920115"/>
+          </a:xfrm>
+          <a:prstGeom prst="roundRect">
+            <a:avLst/>
+          </a:prstGeom>
+          <a:solidFill>
+            <a:srgbClr val="0095C0"/>
+          </a:solidFill>
+          <a:ln>
+            <a:noFill/>
+          </a:ln>
+        </p:spPr>
+        <p:style>
+          <a:lnRef idx="2">
+            <a:schemeClr val="accent1">
+              <a:shade val="50000"/>
+            </a:schemeClr>
+          </a:lnRef>
+          <a:fillRef idx="1">
+            <a:schemeClr val="accent1"/>
+          </a:fillRef>
+          <a:effectRef idx="0">
+            <a:schemeClr val="accent1"/>
+          </a:effectRef>
+          <a:fontRef idx="minor">
+            <a:schemeClr val="lt1"/>
+          </a:fontRef>
+        </p:style>
+        <p:txBody>
+          <a:bodyPr rtlCol="0" anchor="ctr"/>
+          <a:p>
+            <a:pPr algn="ctr"/>
+            <a:r>
+              <a:rPr lang="" altLang="en-US" sz="1200" b="1">
+                <a:solidFill>
+                  <a:srgbClr val="ECF2F8"/>
+                </a:solidFill>
+              </a:rPr>
+              <a:t>Alignment</a:t>
+            </a:r>
+            <a:endParaRPr lang="" altLang="en-US" sz="1200">
+              <a:solidFill>
+                <a:srgbClr val="ECF2F8"/>
+              </a:solidFill>
+            </a:endParaRPr>
+          </a:p>
+          <a:p>
+            <a:pPr algn="ctr"/>
+            <a:r>
+              <a:rPr lang="en-US" altLang="en-US" sz="1200">
+                <a:solidFill>
+                  <a:srgbClr val="ECF2F8"/>
+                </a:solidFill>
+              </a:rPr>
+              <a:t>SpeedSeq</a:t>
+            </a:r>
+            <a:endParaRPr lang="en-US" altLang="en-US" sz="1200">
+              <a:solidFill>
+                <a:srgbClr val="ECF2F8"/>
+              </a:solidFill>
+            </a:endParaRPr>
+          </a:p>
+        </p:txBody>
+      </p:sp>
+      <p:pic>
+        <p:nvPicPr>
+          <p:cNvPr id="5" name="Picture 4"/>
+          <p:cNvPicPr>
+            <a:picLocks noChangeAspect="1"/>
+          </p:cNvPicPr>
+          <p:nvPr/>
+        </p:nvPicPr>
+        <p:blipFill>
+          <a:blip r:embed="rId1"/>
+          <a:stretch>
+            <a:fillRect/>
+          </a:stretch>
+        </p:blipFill>
+        <p:spPr>
+          <a:xfrm>
+            <a:off x="422275" y="3041650"/>
+            <a:ext cx="595630" cy="996950"/>
+          </a:xfrm>
+          <a:prstGeom prst="rect">
+            <a:avLst/>
+          </a:prstGeom>
+        </p:spPr>
+      </p:pic>
+      <p:sp>
+        <p:nvSpPr>
+          <p:cNvPr id="6" name="Rounded Rectangle 5"/>
+          <p:cNvSpPr/>
+          <p:nvPr/>
+        </p:nvSpPr>
+        <p:spPr>
+          <a:xfrm>
+            <a:off x="3320415" y="1347470"/>
+            <a:ext cx="1102360" cy="382905"/>
+          </a:xfrm>
+          <a:prstGeom prst="roundRect">
+            <a:avLst>
+              <a:gd name="adj" fmla="val 0"/>
+            </a:avLst>
+          </a:prstGeom>
+          <a:solidFill>
+            <a:schemeClr val="bg1"/>
+          </a:solidFill>
+          <a:ln w="34925">
+            <a:solidFill>
+              <a:srgbClr val="0095C0"/>
+            </a:solidFill>
+          </a:ln>
+        </p:spPr>
+        <p:style>
+          <a:lnRef idx="2">
+            <a:schemeClr val="accent1">
+              <a:shade val="50000"/>
+            </a:schemeClr>
+          </a:lnRef>
+          <a:fillRef idx="1">
+            <a:schemeClr val="accent1"/>
+          </a:fillRef>
+          <a:effectRef idx="0">
+            <a:schemeClr val="accent1"/>
+          </a:effectRef>
+          <a:fontRef idx="minor">
+            <a:schemeClr val="lt1"/>
+          </a:fontRef>
+        </p:style>
+        <p:txBody>
+          <a:bodyPr rtlCol="0" anchor="ctr"/>
+          <a:p>
+            <a:pPr algn="ctr"/>
+            <a:r>
+              <a:rPr lang="" altLang="en-US" sz="1000">
+                <a:solidFill>
+                  <a:schemeClr val="tx1"/>
+                </a:solidFill>
+              </a:rPr>
+              <a:t>Concordance reads</a:t>
+            </a:r>
+            <a:endParaRPr lang="" altLang="en-US" sz="1000">
+              <a:solidFill>
+                <a:schemeClr val="tx1"/>
+              </a:solidFill>
+            </a:endParaRPr>
+          </a:p>
+        </p:txBody>
+      </p:sp>
+      <p:sp>
+        <p:nvSpPr>
+          <p:cNvPr id="7" name="Rounded Rectangle 6"/>
+          <p:cNvSpPr/>
+          <p:nvPr/>
+        </p:nvSpPr>
+        <p:spPr>
+          <a:xfrm>
+            <a:off x="3320415" y="1775460"/>
+            <a:ext cx="1102360" cy="388620"/>
+          </a:xfrm>
+          <a:prstGeom prst="roundRect">
+            <a:avLst>
+              <a:gd name="adj" fmla="val 0"/>
+            </a:avLst>
+          </a:prstGeom>
+          <a:solidFill>
+            <a:schemeClr val="bg1"/>
+          </a:solidFill>
+          <a:ln w="34925">
+            <a:solidFill>
+              <a:srgbClr val="0095C0"/>
+            </a:solidFill>
+          </a:ln>
+        </p:spPr>
+        <p:style>
+          <a:lnRef idx="2">
+            <a:schemeClr val="accent1">
+              <a:shade val="50000"/>
+            </a:schemeClr>
+          </a:lnRef>
+          <a:fillRef idx="1">
+            <a:schemeClr val="accent1"/>
+          </a:fillRef>
+          <a:effectRef idx="0">
+            <a:schemeClr val="accent1"/>
+          </a:effectRef>
+          <a:fontRef idx="minor">
+            <a:schemeClr val="lt1"/>
+          </a:fontRef>
+        </p:style>
+        <p:txBody>
+          <a:bodyPr rtlCol="0" anchor="ctr"/>
+          <a:p>
+            <a:pPr algn="ctr"/>
+            <a:r>
+              <a:rPr lang="en-US" altLang="en-US" sz="1000">
+                <a:solidFill>
+                  <a:schemeClr val="tx1"/>
+                </a:solidFill>
+              </a:rPr>
+              <a:t> </a:t>
+            </a:r>
+            <a:r>
+              <a:rPr lang="" altLang="en-US" sz="1000">
+                <a:solidFill>
+                  <a:schemeClr val="tx1"/>
+                </a:solidFill>
+              </a:rPr>
+              <a:t>D</a:t>
+            </a:r>
+            <a:r>
+              <a:rPr lang="en-US" altLang="en-US" sz="1000">
+                <a:solidFill>
+                  <a:schemeClr val="tx1"/>
+                </a:solidFill>
+              </a:rPr>
+              <a:t>iscordance  reads</a:t>
+            </a:r>
+            <a:endParaRPr lang="en-US" altLang="en-US" sz="1000">
+              <a:solidFill>
+                <a:schemeClr val="tx1"/>
+              </a:solidFill>
+            </a:endParaRPr>
+          </a:p>
+        </p:txBody>
+      </p:sp>
+      <p:sp>
+        <p:nvSpPr>
+          <p:cNvPr id="8" name="Rounded Rectangle 7"/>
+          <p:cNvSpPr/>
+          <p:nvPr/>
+        </p:nvSpPr>
+        <p:spPr>
+          <a:xfrm>
+            <a:off x="3320415" y="2211070"/>
+            <a:ext cx="1102360" cy="339725"/>
+          </a:xfrm>
+          <a:prstGeom prst="roundRect">
+            <a:avLst>
+              <a:gd name="adj" fmla="val 0"/>
+            </a:avLst>
+          </a:prstGeom>
+          <a:solidFill>
+            <a:schemeClr val="bg1"/>
+          </a:solidFill>
+          <a:ln w="34925">
+            <a:solidFill>
+              <a:srgbClr val="0095C0"/>
+            </a:solidFill>
+          </a:ln>
+        </p:spPr>
+        <p:style>
+          <a:lnRef idx="2">
+            <a:schemeClr val="accent1">
+              <a:shade val="50000"/>
+            </a:schemeClr>
+          </a:lnRef>
+          <a:fillRef idx="1">
+            <a:schemeClr val="accent1"/>
+          </a:fillRef>
+          <a:effectRef idx="0">
+            <a:schemeClr val="accent1"/>
+          </a:effectRef>
+          <a:fontRef idx="minor">
+            <a:schemeClr val="lt1"/>
+          </a:fontRef>
+        </p:style>
+        <p:txBody>
+          <a:bodyPr rtlCol="0" anchor="ctr"/>
+          <a:p>
+            <a:pPr algn="ctr"/>
+            <a:r>
+              <a:rPr lang="" altLang="en-US" sz="1000">
+                <a:solidFill>
+                  <a:schemeClr val="tx1"/>
+                </a:solidFill>
+              </a:rPr>
+              <a:t>S</a:t>
+            </a:r>
+            <a:r>
+              <a:rPr lang="en-US" altLang="en-US" sz="1000">
+                <a:solidFill>
+                  <a:schemeClr val="tx1"/>
+                </a:solidFill>
+              </a:rPr>
+              <a:t>plit reads</a:t>
+            </a:r>
+            <a:endParaRPr lang="en-US" altLang="en-US" sz="1000">
+              <a:solidFill>
+                <a:schemeClr val="tx1"/>
+              </a:solidFill>
+            </a:endParaRPr>
+          </a:p>
+        </p:txBody>
+      </p:sp>
+      <p:sp>
+        <p:nvSpPr>
+          <p:cNvPr id="10" name="Rounded Rectangle 9"/>
+          <p:cNvSpPr/>
+          <p:nvPr/>
+        </p:nvSpPr>
+        <p:spPr>
+          <a:xfrm>
+            <a:off x="4776470" y="3145790"/>
+            <a:ext cx="1420495" cy="914400"/>
+          </a:xfrm>
+          <a:prstGeom prst="roundRect">
+            <a:avLst/>
+          </a:prstGeom>
+          <a:solidFill>
+            <a:srgbClr val="0095C0"/>
+          </a:solidFill>
+          <a:ln>
+            <a:noFill/>
+          </a:ln>
+        </p:spPr>
+        <p:style>
+          <a:lnRef idx="2">
+            <a:schemeClr val="accent1">
+              <a:shade val="50000"/>
+            </a:schemeClr>
+          </a:lnRef>
+          <a:fillRef idx="1">
+            <a:schemeClr val="accent1"/>
+          </a:fillRef>
+          <a:effectRef idx="0">
+            <a:schemeClr val="accent1"/>
+          </a:effectRef>
+          <a:fontRef idx="minor">
+            <a:schemeClr val="lt1"/>
+          </a:fontRef>
+        </p:style>
+        <p:txBody>
+          <a:bodyPr rtlCol="0" anchor="ctr"/>
+          <a:p>
+            <a:pPr algn="ctr"/>
+            <a:r>
+              <a:rPr lang="" altLang="en-US" sz="1200" b="1">
+                <a:solidFill>
+                  <a:srgbClr val="ECF2F8"/>
+                </a:solidFill>
+              </a:rPr>
+              <a:t>Copy number</a:t>
+            </a:r>
+            <a:endParaRPr lang="en-US" altLang="en-US" sz="1200" b="1">
+              <a:solidFill>
+                <a:srgbClr val="ECF2F8"/>
+              </a:solidFill>
+            </a:endParaRPr>
+          </a:p>
+          <a:p>
+            <a:pPr algn="ctr"/>
+            <a:r>
+              <a:rPr lang="" altLang="en-US" sz="1200">
+                <a:solidFill>
+                  <a:srgbClr val="ECF2F8"/>
+                </a:solidFill>
+              </a:rPr>
+              <a:t>Copycat</a:t>
+            </a:r>
+            <a:endParaRPr lang="" altLang="en-US" sz="1200">
+              <a:solidFill>
+                <a:srgbClr val="ECF2F8"/>
+              </a:solidFill>
+            </a:endParaRPr>
+          </a:p>
+        </p:txBody>
+      </p:sp>
+      <p:sp>
+        <p:nvSpPr>
+          <p:cNvPr id="11" name="Rounded Rectangle 10"/>
+          <p:cNvSpPr/>
+          <p:nvPr/>
+        </p:nvSpPr>
+        <p:spPr>
+          <a:xfrm>
+            <a:off x="3303270" y="3497580"/>
+            <a:ext cx="1102360" cy="382905"/>
+          </a:xfrm>
+          <a:prstGeom prst="roundRect">
+            <a:avLst>
+              <a:gd name="adj" fmla="val 0"/>
+            </a:avLst>
+          </a:prstGeom>
+          <a:solidFill>
+            <a:schemeClr val="bg1"/>
+          </a:solidFill>
+          <a:ln w="34925">
+            <a:solidFill>
+              <a:srgbClr val="0095C0"/>
+            </a:solidFill>
+          </a:ln>
+        </p:spPr>
+        <p:style>
+          <a:lnRef idx="2">
+            <a:schemeClr val="accent1">
+              <a:shade val="50000"/>
+            </a:schemeClr>
+          </a:lnRef>
+          <a:fillRef idx="1">
+            <a:schemeClr val="accent1"/>
+          </a:fillRef>
+          <a:effectRef idx="0">
+            <a:schemeClr val="accent1"/>
+          </a:effectRef>
+          <a:fontRef idx="minor">
+            <a:schemeClr val="lt1"/>
+          </a:fontRef>
+        </p:style>
+        <p:txBody>
+          <a:bodyPr rtlCol="0" anchor="ctr"/>
+          <a:p>
+            <a:pPr algn="ctr"/>
+            <a:r>
+              <a:rPr lang="en-US" altLang="en-US" sz="1000">
+                <a:solidFill>
+                  <a:schemeClr val="tx1"/>
+                </a:solidFill>
+              </a:rPr>
+              <a:t>Concordance reads</a:t>
+            </a:r>
+            <a:endParaRPr lang="en-US" altLang="en-US" sz="1000">
+              <a:solidFill>
+                <a:schemeClr val="tx1"/>
+              </a:solidFill>
+            </a:endParaRPr>
+          </a:p>
+        </p:txBody>
+      </p:sp>
+      <p:sp>
+        <p:nvSpPr>
+          <p:cNvPr id="12" name="Rounded Rectangle 11"/>
+          <p:cNvSpPr/>
+          <p:nvPr/>
+        </p:nvSpPr>
+        <p:spPr>
+          <a:xfrm>
+            <a:off x="6480175" y="2152015"/>
+            <a:ext cx="1102360" cy="382905"/>
+          </a:xfrm>
+          <a:prstGeom prst="roundRect">
+            <a:avLst>
+              <a:gd name="adj" fmla="val 0"/>
+            </a:avLst>
+          </a:prstGeom>
+          <a:solidFill>
+            <a:schemeClr val="bg1"/>
+          </a:solidFill>
+          <a:ln w="34925">
+            <a:solidFill>
+              <a:srgbClr val="0095C0"/>
+            </a:solidFill>
+          </a:ln>
+        </p:spPr>
+        <p:style>
+          <a:lnRef idx="2">
+            <a:schemeClr val="accent1">
+              <a:shade val="50000"/>
+            </a:schemeClr>
+          </a:lnRef>
+          <a:fillRef idx="1">
+            <a:schemeClr val="accent1"/>
+          </a:fillRef>
+          <a:effectRef idx="0">
+            <a:schemeClr val="accent1"/>
+          </a:effectRef>
+          <a:fontRef idx="minor">
+            <a:schemeClr val="lt1"/>
+          </a:fontRef>
+        </p:style>
+        <p:txBody>
+          <a:bodyPr rtlCol="0" anchor="ctr"/>
+          <a:p>
+            <a:pPr algn="ctr"/>
+            <a:r>
+              <a:rPr lang="" altLang="en-US" sz="1000">
+                <a:solidFill>
+                  <a:schemeClr val="tx1"/>
+                </a:solidFill>
+              </a:rPr>
+              <a:t>Variant calling file</a:t>
+            </a:r>
+            <a:endParaRPr lang="" altLang="en-US" sz="1000">
+              <a:solidFill>
+                <a:schemeClr val="tx1"/>
+              </a:solidFill>
+            </a:endParaRPr>
+          </a:p>
+        </p:txBody>
+      </p:sp>
+      <p:sp>
+        <p:nvSpPr>
+          <p:cNvPr id="13" name="Rounded Rectangle 12"/>
+          <p:cNvSpPr/>
+          <p:nvPr/>
+        </p:nvSpPr>
+        <p:spPr>
+          <a:xfrm>
+            <a:off x="6489065" y="3527425"/>
+            <a:ext cx="1102360" cy="382905"/>
+          </a:xfrm>
+          <a:prstGeom prst="roundRect">
+            <a:avLst>
+              <a:gd name="adj" fmla="val 0"/>
+            </a:avLst>
+          </a:prstGeom>
+          <a:solidFill>
+            <a:schemeClr val="bg1"/>
+          </a:solidFill>
+          <a:ln w="34925">
+            <a:solidFill>
+              <a:srgbClr val="0095C0"/>
+            </a:solidFill>
+          </a:ln>
+        </p:spPr>
+        <p:style>
+          <a:lnRef idx="2">
+            <a:schemeClr val="accent1">
+              <a:shade val="50000"/>
+            </a:schemeClr>
+          </a:lnRef>
+          <a:fillRef idx="1">
+            <a:schemeClr val="accent1"/>
+          </a:fillRef>
+          <a:effectRef idx="0">
+            <a:schemeClr val="accent1"/>
+          </a:effectRef>
+          <a:fontRef idx="minor">
+            <a:schemeClr val="lt1"/>
+          </a:fontRef>
+        </p:style>
+        <p:txBody>
+          <a:bodyPr rtlCol="0" anchor="ctr"/>
+          <a:p>
+            <a:pPr algn="ctr"/>
+            <a:r>
+              <a:rPr lang="" altLang="en-US" sz="1000">
+                <a:solidFill>
+                  <a:schemeClr val="tx1"/>
+                </a:solidFill>
+              </a:rPr>
+              <a:t>Copy numbers</a:t>
+            </a:r>
+            <a:endParaRPr lang="" altLang="en-US" sz="1000">
+              <a:solidFill>
+                <a:schemeClr val="tx1"/>
+              </a:solidFill>
+            </a:endParaRPr>
+          </a:p>
+        </p:txBody>
+      </p:sp>
+      <p:sp>
+        <p:nvSpPr>
+          <p:cNvPr id="14" name="Rounded Rectangle 13"/>
+          <p:cNvSpPr/>
+          <p:nvPr/>
+        </p:nvSpPr>
+        <p:spPr>
+          <a:xfrm>
+            <a:off x="7847330" y="2533015"/>
+            <a:ext cx="1547495" cy="1071880"/>
+          </a:xfrm>
+          <a:prstGeom prst="roundRect">
+            <a:avLst/>
+          </a:prstGeom>
+          <a:solidFill>
+            <a:srgbClr val="0095C0"/>
+          </a:solidFill>
+          <a:ln>
+            <a:noFill/>
+          </a:ln>
+        </p:spPr>
+        <p:style>
+          <a:lnRef idx="2">
+            <a:schemeClr val="accent1">
+              <a:shade val="50000"/>
+            </a:schemeClr>
+          </a:lnRef>
+          <a:fillRef idx="1">
+            <a:schemeClr val="accent1"/>
+          </a:fillRef>
+          <a:effectRef idx="0">
+            <a:schemeClr val="accent1"/>
+          </a:effectRef>
+          <a:fontRef idx="minor">
+            <a:schemeClr val="lt1"/>
+          </a:fontRef>
+        </p:style>
+        <p:txBody>
+          <a:bodyPr rtlCol="0" anchor="ctr"/>
+          <a:p>
+            <a:pPr algn="ctr"/>
+            <a:r>
+              <a:rPr lang="" altLang="en-US" sz="1200" b="1">
+                <a:solidFill>
+                  <a:srgbClr val="ECF2F8"/>
+                </a:solidFill>
+              </a:rPr>
+              <a:t>SplitThreader</a:t>
+            </a:r>
+            <a:endParaRPr lang="" altLang="en-US" sz="1200" b="1">
+              <a:solidFill>
+                <a:srgbClr val="ECF2F8"/>
+              </a:solidFill>
+            </a:endParaRPr>
+          </a:p>
+        </p:txBody>
+      </p:sp>
+      <p:sp>
+        <p:nvSpPr>
+          <p:cNvPr id="18" name="Text Box 17"/>
+          <p:cNvSpPr txBox="1"/>
+          <p:nvPr/>
+        </p:nvSpPr>
+        <p:spPr>
+          <a:xfrm>
+            <a:off x="257175" y="1529080"/>
+            <a:ext cx="925830" cy="398780"/>
+          </a:xfrm>
+          <a:prstGeom prst="rect">
+            <a:avLst/>
+          </a:prstGeom>
+          <a:noFill/>
+        </p:spPr>
+        <p:txBody>
+          <a:bodyPr wrap="square" rtlCol="0">
+            <a:spAutoFit/>
+          </a:bodyPr>
+          <a:p>
+            <a:pPr algn="ctr"/>
+            <a:r>
+              <a:rPr lang="" altLang="en-US" sz="1000"/>
+              <a:t>Sample genome</a:t>
+            </a:r>
+            <a:endParaRPr lang="" altLang="en-US" sz="1000"/>
+          </a:p>
+        </p:txBody>
+      </p:sp>
+      <p:sp>
+        <p:nvSpPr>
+          <p:cNvPr id="19" name="Text Box 18"/>
+          <p:cNvSpPr txBox="1"/>
+          <p:nvPr/>
+        </p:nvSpPr>
+        <p:spPr>
+          <a:xfrm>
+            <a:off x="257175" y="4113530"/>
+            <a:ext cx="925830" cy="398780"/>
+          </a:xfrm>
+          <a:prstGeom prst="rect">
+            <a:avLst/>
+          </a:prstGeom>
+          <a:noFill/>
+        </p:spPr>
+        <p:txBody>
+          <a:bodyPr wrap="square" rtlCol="0">
+            <a:spAutoFit/>
+          </a:bodyPr>
+          <a:p>
+            <a:pPr algn="ctr"/>
+            <a:r>
+              <a:rPr lang="" altLang="en-US" sz="1000"/>
+              <a:t>Reference </a:t>
+            </a:r>
+            <a:r>
+              <a:rPr lang="en-US" altLang="en-US" sz="1000"/>
+              <a:t>genome</a:t>
+            </a:r>
+            <a:endParaRPr lang="en-US" altLang="en-US" sz="1000"/>
+          </a:p>
+        </p:txBody>
+      </p:sp>
+      <p:cxnSp>
+        <p:nvCxnSpPr>
+          <p:cNvPr id="20" name="Straight Arrow Connector 19"/>
+          <p:cNvCxnSpPr/>
+          <p:nvPr/>
+        </p:nvCxnSpPr>
+        <p:spPr>
+          <a:xfrm>
+            <a:off x="1065530" y="2780030"/>
+            <a:ext cx="336550" cy="9525"/>
+          </a:xfrm>
+          <a:prstGeom prst="straightConnector1">
+            <a:avLst/>
+          </a:prstGeom>
+          <a:ln w="44450">
+            <a:solidFill>
+              <a:srgbClr val="0095C0"/>
+            </a:solidFill>
+            <a:tailEnd type="arrow"/>
+          </a:ln>
+        </p:spPr>
+        <p:style>
+          <a:lnRef idx="1">
+            <a:schemeClr val="accent1"/>
+          </a:lnRef>
+          <a:fillRef idx="0">
+            <a:schemeClr val="accent1"/>
+          </a:fillRef>
+          <a:effectRef idx="0">
+            <a:schemeClr val="accent1"/>
+          </a:effectRef>
+          <a:fontRef idx="minor">
+            <a:schemeClr val="tx1"/>
+          </a:fontRef>
+        </p:style>
+      </p:cxnSp>
+      <p:cxnSp>
+        <p:nvCxnSpPr>
+          <p:cNvPr id="21" name="Straight Arrow Connector 20"/>
+          <p:cNvCxnSpPr/>
+          <p:nvPr/>
+        </p:nvCxnSpPr>
+        <p:spPr>
+          <a:xfrm>
+            <a:off x="1065530" y="3225800"/>
+            <a:ext cx="336550" cy="9525"/>
+          </a:xfrm>
+          <a:prstGeom prst="straightConnector1">
+            <a:avLst/>
+          </a:prstGeom>
+          <a:ln w="44450">
+            <a:solidFill>
+              <a:srgbClr val="0095C0"/>
+            </a:solidFill>
+            <a:tailEnd type="arrow"/>
+          </a:ln>
+        </p:spPr>
+        <p:style>
+          <a:lnRef idx="1">
+            <a:schemeClr val="accent1"/>
+          </a:lnRef>
+          <a:fillRef idx="0">
+            <a:schemeClr val="accent1"/>
+          </a:fillRef>
+          <a:effectRef idx="0">
+            <a:schemeClr val="accent1"/>
+          </a:effectRef>
+          <a:fontRef idx="minor">
+            <a:schemeClr val="tx1"/>
+          </a:fontRef>
+        </p:style>
+      </p:cxnSp>
+      <p:cxnSp>
+        <p:nvCxnSpPr>
+          <p:cNvPr id="22" name="Straight Arrow Connector 21"/>
+          <p:cNvCxnSpPr/>
+          <p:nvPr/>
+        </p:nvCxnSpPr>
+        <p:spPr>
+          <a:xfrm>
+            <a:off x="3188335" y="2770505"/>
+            <a:ext cx="1368425" cy="2540"/>
+          </a:xfrm>
+          <a:prstGeom prst="straightConnector1">
+            <a:avLst/>
+          </a:prstGeom>
+          <a:ln w="44450">
+            <a:solidFill>
+              <a:srgbClr val="0095C0"/>
+            </a:solidFill>
+            <a:tailEnd type="arrow"/>
+          </a:ln>
+        </p:spPr>
+        <p:style>
+          <a:lnRef idx="1">
+            <a:schemeClr val="accent1"/>
+          </a:lnRef>
+          <a:fillRef idx="0">
+            <a:schemeClr val="accent1"/>
+          </a:fillRef>
+          <a:effectRef idx="0">
+            <a:schemeClr val="accent1"/>
+          </a:effectRef>
+          <a:fontRef idx="minor">
+            <a:schemeClr val="tx1"/>
+          </a:fontRef>
+        </p:style>
+      </p:cxnSp>
+      <p:cxnSp>
+        <p:nvCxnSpPr>
+          <p:cNvPr id="23" name="Straight Arrow Connector 22"/>
+          <p:cNvCxnSpPr/>
+          <p:nvPr/>
+        </p:nvCxnSpPr>
+        <p:spPr>
+          <a:xfrm>
+            <a:off x="3214370" y="3288030"/>
+            <a:ext cx="1368425" cy="2540"/>
+          </a:xfrm>
+          <a:prstGeom prst="straightConnector1">
+            <a:avLst/>
+          </a:prstGeom>
+          <a:ln w="44450">
+            <a:solidFill>
+              <a:srgbClr val="0095C0"/>
+            </a:solidFill>
+            <a:tailEnd type="arrow"/>
+          </a:ln>
+        </p:spPr>
+        <p:style>
+          <a:lnRef idx="1">
+            <a:schemeClr val="accent1"/>
+          </a:lnRef>
+          <a:fillRef idx="0">
+            <a:schemeClr val="accent1"/>
+          </a:fillRef>
+          <a:effectRef idx="0">
+            <a:schemeClr val="accent1"/>
+          </a:effectRef>
+          <a:fontRef idx="minor">
+            <a:schemeClr val="tx1"/>
+          </a:fontRef>
+        </p:style>
+      </p:cxnSp>
+      <p:cxnSp>
+        <p:nvCxnSpPr>
+          <p:cNvPr id="24" name="Straight Arrow Connector 23"/>
+          <p:cNvCxnSpPr/>
+          <p:nvPr/>
+        </p:nvCxnSpPr>
+        <p:spPr>
+          <a:xfrm>
+            <a:off x="6356350" y="2789555"/>
+            <a:ext cx="1368425" cy="2540"/>
+          </a:xfrm>
+          <a:prstGeom prst="straightConnector1">
+            <a:avLst/>
+          </a:prstGeom>
+          <a:ln w="44450">
+            <a:solidFill>
+              <a:srgbClr val="0095C0"/>
+            </a:solidFill>
+            <a:tailEnd type="arrow"/>
+          </a:ln>
+        </p:spPr>
+        <p:style>
+          <a:lnRef idx="1">
+            <a:schemeClr val="accent1"/>
+          </a:lnRef>
+          <a:fillRef idx="0">
+            <a:schemeClr val="accent1"/>
+          </a:fillRef>
+          <a:effectRef idx="0">
+            <a:schemeClr val="accent1"/>
+          </a:effectRef>
+          <a:fontRef idx="minor">
+            <a:schemeClr val="tx1"/>
+          </a:fontRef>
+        </p:style>
+      </p:cxnSp>
+      <p:cxnSp>
+        <p:nvCxnSpPr>
+          <p:cNvPr id="25" name="Straight Arrow Connector 24"/>
+          <p:cNvCxnSpPr/>
+          <p:nvPr/>
+        </p:nvCxnSpPr>
+        <p:spPr>
+          <a:xfrm>
+            <a:off x="6356350" y="3290570"/>
+            <a:ext cx="1368425" cy="2540"/>
+          </a:xfrm>
+          <a:prstGeom prst="straightConnector1">
+            <a:avLst/>
+          </a:prstGeom>
+          <a:ln w="44450">
+            <a:solidFill>
+              <a:srgbClr val="0095C0"/>
+            </a:solidFill>
+            <a:tailEnd type="arrow"/>
+          </a:ln>
+        </p:spPr>
+        <p:style>
+          <a:lnRef idx="1">
+            <a:schemeClr val="accent1"/>
+          </a:lnRef>
+          <a:fillRef idx="0">
+            <a:schemeClr val="accent1"/>
+          </a:fillRef>
+          <a:effectRef idx="0">
+            <a:schemeClr val="accent1"/>
+          </a:effectRef>
+          <a:fontRef idx="minor">
+            <a:schemeClr val="tx1"/>
+          </a:fontRef>
+        </p:style>
+      </p:cxnSp>
+      <p:cxnSp>
+        <p:nvCxnSpPr>
+          <p:cNvPr id="26" name="Straight Arrow Connector 25"/>
+          <p:cNvCxnSpPr/>
+          <p:nvPr/>
+        </p:nvCxnSpPr>
+        <p:spPr>
+          <a:xfrm>
+            <a:off x="9483725" y="2767965"/>
+            <a:ext cx="330835" cy="10795"/>
+          </a:xfrm>
+          <a:prstGeom prst="straightConnector1">
+            <a:avLst/>
+          </a:prstGeom>
+          <a:ln w="44450">
+            <a:solidFill>
+              <a:srgbClr val="0095C0"/>
+            </a:solidFill>
+            <a:tailEnd type="arrow"/>
+          </a:ln>
+        </p:spPr>
+        <p:style>
+          <a:lnRef idx="1">
+            <a:schemeClr val="accent1"/>
+          </a:lnRef>
+          <a:fillRef idx="0">
+            <a:schemeClr val="accent1"/>
+          </a:fillRef>
+          <a:effectRef idx="0">
+            <a:schemeClr val="accent1"/>
+          </a:effectRef>
+          <a:fontRef idx="minor">
+            <a:schemeClr val="tx1"/>
+          </a:fontRef>
+        </p:style>
+      </p:cxnSp>
+      <p:cxnSp>
+        <p:nvCxnSpPr>
+          <p:cNvPr id="27" name="Straight Arrow Connector 26"/>
+          <p:cNvCxnSpPr/>
+          <p:nvPr/>
+        </p:nvCxnSpPr>
+        <p:spPr>
+          <a:xfrm>
+            <a:off x="9483725" y="3277235"/>
+            <a:ext cx="330835" cy="10795"/>
+          </a:xfrm>
+          <a:prstGeom prst="straightConnector1">
+            <a:avLst/>
+          </a:prstGeom>
+          <a:ln w="44450">
+            <a:solidFill>
+              <a:srgbClr val="0095C0"/>
+            </a:solidFill>
+            <a:tailEnd type="arrow"/>
+          </a:ln>
+        </p:spPr>
+        <p:style>
+          <a:lnRef idx="1">
+            <a:schemeClr val="accent1"/>
+          </a:lnRef>
+          <a:fillRef idx="0">
+            <a:schemeClr val="accent1"/>
+          </a:fillRef>
+          <a:effectRef idx="0">
+            <a:schemeClr val="accent1"/>
+          </a:effectRef>
+          <a:fontRef idx="minor">
+            <a:schemeClr val="tx1"/>
+          </a:fontRef>
+        </p:style>
+      </p:cxnSp>
+      <p:sp>
+        <p:nvSpPr>
+          <p:cNvPr id="31" name="Rounded Rectangle 30"/>
+          <p:cNvSpPr/>
+          <p:nvPr/>
+        </p:nvSpPr>
+        <p:spPr>
+          <a:xfrm>
+            <a:off x="9869170" y="2581910"/>
+            <a:ext cx="1289050" cy="382905"/>
+          </a:xfrm>
+          <a:prstGeom prst="roundRect">
+            <a:avLst>
+              <a:gd name="adj" fmla="val 0"/>
+            </a:avLst>
+          </a:prstGeom>
+          <a:solidFill>
+            <a:schemeClr val="bg1"/>
+          </a:solidFill>
+          <a:ln w="34925">
+            <a:solidFill>
+              <a:srgbClr val="0095C0"/>
+            </a:solidFill>
+          </a:ln>
+        </p:spPr>
+        <p:style>
+          <a:lnRef idx="2">
+            <a:schemeClr val="accent1">
+              <a:shade val="50000"/>
+            </a:schemeClr>
+          </a:lnRef>
+          <a:fillRef idx="1">
+            <a:schemeClr val="accent1"/>
+          </a:fillRef>
+          <a:effectRef idx="0">
+            <a:schemeClr val="accent1"/>
+          </a:effectRef>
+          <a:fontRef idx="minor">
+            <a:schemeClr val="lt1"/>
+          </a:fontRef>
+        </p:style>
+        <p:txBody>
+          <a:bodyPr rtlCol="0" anchor="ctr"/>
+          <a:p>
+            <a:pPr algn="ctr"/>
+            <a:r>
+              <a:rPr lang="" altLang="en-US" sz="1000">
+                <a:solidFill>
+                  <a:schemeClr val="tx1"/>
+                </a:solidFill>
+                <a:sym typeface="+mn-ea"/>
+              </a:rPr>
+              <a:t>R</a:t>
+            </a:r>
+            <a:r>
+              <a:rPr lang="en-US" altLang="en-US" sz="1000">
+                <a:solidFill>
+                  <a:schemeClr val="tx1"/>
+                </a:solidFill>
+                <a:sym typeface="+mn-ea"/>
+              </a:rPr>
+              <a:t>earrangements</a:t>
+            </a:r>
+            <a:endParaRPr lang="en-US" altLang="en-US" sz="1000">
+              <a:solidFill>
+                <a:schemeClr val="tx1"/>
+              </a:solidFill>
+              <a:sym typeface="+mn-ea"/>
+            </a:endParaRPr>
+          </a:p>
+        </p:txBody>
+      </p:sp>
+      <p:sp>
+        <p:nvSpPr>
+          <p:cNvPr id="32" name="Rounded Rectangle 31"/>
+          <p:cNvSpPr/>
+          <p:nvPr/>
+        </p:nvSpPr>
+        <p:spPr>
+          <a:xfrm>
+            <a:off x="9869170" y="3114675"/>
+            <a:ext cx="1289050" cy="382905"/>
+          </a:xfrm>
+          <a:prstGeom prst="roundRect">
+            <a:avLst>
+              <a:gd name="adj" fmla="val 0"/>
+            </a:avLst>
+          </a:prstGeom>
+          <a:solidFill>
+            <a:schemeClr val="bg1"/>
+          </a:solidFill>
+          <a:ln w="34925">
+            <a:solidFill>
+              <a:srgbClr val="0095C0"/>
+            </a:solidFill>
+          </a:ln>
+        </p:spPr>
+        <p:style>
+          <a:lnRef idx="2">
+            <a:schemeClr val="accent1">
+              <a:shade val="50000"/>
+            </a:schemeClr>
+          </a:lnRef>
+          <a:fillRef idx="1">
+            <a:schemeClr val="accent1"/>
+          </a:fillRef>
+          <a:effectRef idx="0">
+            <a:schemeClr val="accent1"/>
+          </a:effectRef>
+          <a:fontRef idx="minor">
+            <a:schemeClr val="lt1"/>
+          </a:fontRef>
+        </p:style>
+        <p:txBody>
+          <a:bodyPr rtlCol="0" anchor="ctr"/>
+          <a:p>
+            <a:pPr algn="ctr"/>
+            <a:r>
+              <a:rPr lang="" altLang="en-US" sz="1000">
+                <a:solidFill>
+                  <a:schemeClr val="tx1"/>
+                </a:solidFill>
+                <a:sym typeface="+mn-ea"/>
+              </a:rPr>
+              <a:t>G</a:t>
+            </a:r>
+            <a:r>
+              <a:rPr lang="en-US" altLang="en-US" sz="1000">
+                <a:solidFill>
+                  <a:schemeClr val="tx1"/>
+                </a:solidFill>
+                <a:sym typeface="+mn-ea"/>
+              </a:rPr>
+              <a:t>ene fusion</a:t>
+            </a:r>
+            <a:endParaRPr lang="en-US" altLang="en-US" sz="1000">
+              <a:solidFill>
+                <a:schemeClr val="tx1"/>
+              </a:solidFill>
+              <a:sym typeface="+mn-ea"/>
+            </a:endParaRPr>
+          </a:p>
+        </p:txBody>
+      </p:sp>
     </p:spTree>
   </p:cSld>
   <p:clrMapOvr>

--- a/db/Presentation1.pptx
+++ b/db/Presentation1.pptx
@@ -5,10 +5,10 @@
     <p:sldMasterId id="2147483648" r:id="rId1"/>
   </p:sldMasterIdLst>
   <p:notesMasterIdLst>
-    <p:notesMasterId r:id="rId9"/>
+    <p:notesMasterId r:id="rId10"/>
   </p:notesMasterIdLst>
   <p:handoutMasterIdLst>
-    <p:handoutMasterId r:id="rId10"/>
+    <p:handoutMasterId r:id="rId11"/>
   </p:handoutMasterIdLst>
   <p:sldIdLst>
     <p:sldId id="256" r:id="rId3"/>
@@ -17,6 +17,7 @@
     <p:sldId id="259" r:id="rId6"/>
     <p:sldId id="260" r:id="rId7"/>
     <p:sldId id="261" r:id="rId8"/>
+    <p:sldId id="262" r:id="rId9"/>
   </p:sldIdLst>
   <p:sldSz cx="12192000" cy="6858000"/>
   <p:notesSz cx="7103745" cy="10234295"/>
@@ -6673,14 +6674,14 @@
           <a:p>
             <a:pPr algn="ctr"/>
             <a:r>
-              <a:rPr lang="" altLang="en-US" sz="1200" b="1">
+              <a:rPr lang="en-US" altLang="en-US" sz="1200" b="1">
                 <a:solidFill>
                   <a:srgbClr val="ECF2F8"/>
                 </a:solidFill>
               </a:rPr>
               <a:t>SV detection</a:t>
             </a:r>
-            <a:endParaRPr lang="" altLang="en-US" sz="1200">
+            <a:endParaRPr lang="en-US" altLang="en-US" sz="1200">
               <a:solidFill>
                 <a:srgbClr val="ECF2F8"/>
               </a:solidFill>
@@ -6689,14 +6690,14 @@
           <a:p>
             <a:pPr algn="ctr"/>
             <a:r>
-              <a:rPr lang="" altLang="en-US" sz="1200">
+              <a:rPr lang="en-US" altLang="en-US" sz="1200">
                 <a:solidFill>
                   <a:srgbClr val="ECF2F8"/>
                 </a:solidFill>
               </a:rPr>
               <a:t>Lumpy/</a:t>
             </a:r>
-            <a:endParaRPr lang="" altLang="en-US" sz="1200">
+            <a:endParaRPr lang="en-US" altLang="en-US" sz="1200">
               <a:solidFill>
                 <a:srgbClr val="ECF2F8"/>
               </a:solidFill>
@@ -6705,14 +6706,14 @@
           <a:p>
             <a:pPr algn="ctr"/>
             <a:r>
-              <a:rPr lang="" altLang="en-US" sz="1200">
+              <a:rPr lang="en-US" altLang="en-US" sz="1200">
                 <a:solidFill>
                   <a:srgbClr val="ECF2F8"/>
                 </a:solidFill>
               </a:rPr>
               <a:t>Sniffles</a:t>
             </a:r>
-            <a:endParaRPr lang="" altLang="en-US" sz="1200">
+            <a:endParaRPr lang="en-US" altLang="en-US" sz="1200">
               <a:solidFill>
                 <a:srgbClr val="ECF2F8"/>
               </a:solidFill>
@@ -6786,14 +6787,14 @@
           <a:p>
             <a:pPr algn="ctr"/>
             <a:r>
-              <a:rPr lang="" altLang="en-US" sz="1200" b="1">
+              <a:rPr lang="en-US" altLang="en-US" sz="1200" b="1">
                 <a:solidFill>
                   <a:srgbClr val="ECF2F8"/>
                 </a:solidFill>
               </a:rPr>
               <a:t>Alignment</a:t>
             </a:r>
-            <a:endParaRPr lang="" altLang="en-US" sz="1200">
+            <a:endParaRPr lang="en-US" altLang="en-US" sz="1200">
               <a:solidFill>
                 <a:srgbClr val="ECF2F8"/>
               </a:solidFill>
@@ -6887,14 +6888,14 @@
           <a:p>
             <a:pPr algn="ctr"/>
             <a:r>
-              <a:rPr lang="" altLang="en-US" sz="1000">
+              <a:rPr lang="en-US" altLang="en-US" sz="1000">
                 <a:solidFill>
                   <a:schemeClr val="tx1"/>
                 </a:solidFill>
               </a:rPr>
               <a:t>Concordance reads</a:t>
             </a:r>
-            <a:endParaRPr lang="" altLang="en-US" sz="1000">
+            <a:endParaRPr lang="en-US" altLang="en-US" sz="1000">
               <a:solidFill>
                 <a:schemeClr val="tx1"/>
               </a:solidFill>
@@ -6953,23 +6954,7 @@
                   <a:schemeClr val="tx1"/>
                 </a:solidFill>
               </a:rPr>
-              <a:t> </a:t>
-            </a:r>
-            <a:r>
-              <a:rPr lang="" altLang="en-US" sz="1000">
-                <a:solidFill>
-                  <a:schemeClr val="tx1"/>
-                </a:solidFill>
-              </a:rPr>
-              <a:t>D</a:t>
-            </a:r>
-            <a:r>
-              <a:rPr lang="en-US" altLang="en-US" sz="1000">
-                <a:solidFill>
-                  <a:schemeClr val="tx1"/>
-                </a:solidFill>
-              </a:rPr>
-              <a:t>iscordance  reads</a:t>
+              <a:t> Discordance  reads</a:t>
             </a:r>
             <a:endParaRPr lang="en-US" altLang="en-US" sz="1000">
               <a:solidFill>
@@ -7025,20 +7010,12 @@
           <a:p>
             <a:pPr algn="ctr"/>
             <a:r>
-              <a:rPr lang="" altLang="en-US" sz="1000">
+              <a:rPr lang="en-US" altLang="en-US" sz="1000">
                 <a:solidFill>
                   <a:schemeClr val="tx1"/>
                 </a:solidFill>
               </a:rPr>
-              <a:t>S</a:t>
-            </a:r>
-            <a:r>
-              <a:rPr lang="en-US" altLang="en-US" sz="1000">
-                <a:solidFill>
-                  <a:schemeClr val="tx1"/>
-                </a:solidFill>
-              </a:rPr>
-              <a:t>plit reads</a:t>
+              <a:t>Split reads</a:t>
             </a:r>
             <a:endParaRPr lang="en-US" altLang="en-US" sz="1000">
               <a:solidFill>
@@ -7090,7 +7067,7 @@
           <a:p>
             <a:pPr algn="ctr"/>
             <a:r>
-              <a:rPr lang="" altLang="en-US" sz="1200" b="1">
+              <a:rPr lang="en-US" altLang="en-US" sz="1200" b="1">
                 <a:solidFill>
                   <a:srgbClr val="ECF2F8"/>
                 </a:solidFill>
@@ -7106,14 +7083,14 @@
           <a:p>
             <a:pPr algn="ctr"/>
             <a:r>
-              <a:rPr lang="" altLang="en-US" sz="1200">
+              <a:rPr lang="en-US" altLang="en-US" sz="1200">
                 <a:solidFill>
                   <a:srgbClr val="ECF2F8"/>
                 </a:solidFill>
               </a:rPr>
               <a:t>Copycat</a:t>
             </a:r>
-            <a:endParaRPr lang="" altLang="en-US" sz="1200">
+            <a:endParaRPr lang="en-US" altLang="en-US" sz="1200">
               <a:solidFill>
                 <a:srgbClr val="ECF2F8"/>
               </a:solidFill>
@@ -7228,14 +7205,14 @@
           <a:p>
             <a:pPr algn="ctr"/>
             <a:r>
-              <a:rPr lang="" altLang="en-US" sz="1000">
+              <a:rPr lang="en-US" altLang="en-US" sz="1000">
                 <a:solidFill>
                   <a:schemeClr val="tx1"/>
                 </a:solidFill>
               </a:rPr>
               <a:t>Variant calling file</a:t>
             </a:r>
-            <a:endParaRPr lang="" altLang="en-US" sz="1000">
+            <a:endParaRPr lang="en-US" altLang="en-US" sz="1000">
               <a:solidFill>
                 <a:schemeClr val="tx1"/>
               </a:solidFill>
@@ -7289,14 +7266,14 @@
           <a:p>
             <a:pPr algn="ctr"/>
             <a:r>
-              <a:rPr lang="" altLang="en-US" sz="1000">
+              <a:rPr lang="en-US" altLang="en-US" sz="1000">
                 <a:solidFill>
                   <a:schemeClr val="tx1"/>
                 </a:solidFill>
               </a:rPr>
               <a:t>Copy numbers</a:t>
             </a:r>
-            <a:endParaRPr lang="" altLang="en-US" sz="1000">
+            <a:endParaRPr lang="en-US" altLang="en-US" sz="1000">
               <a:solidFill>
                 <a:schemeClr val="tx1"/>
               </a:solidFill>
@@ -7346,14 +7323,14 @@
           <a:p>
             <a:pPr algn="ctr"/>
             <a:r>
-              <a:rPr lang="" altLang="en-US" sz="1200" b="1">
+              <a:rPr lang="en-US" altLang="en-US" sz="1200" b="1">
                 <a:solidFill>
                   <a:srgbClr val="ECF2F8"/>
                 </a:solidFill>
               </a:rPr>
               <a:t>SplitThreader</a:t>
             </a:r>
-            <a:endParaRPr lang="" altLang="en-US" sz="1200" b="1">
+            <a:endParaRPr lang="en-US" altLang="en-US" sz="1200" b="1">
               <a:solidFill>
                 <a:srgbClr val="ECF2F8"/>
               </a:solidFill>
@@ -7384,10 +7361,10 @@
           <a:p>
             <a:pPr algn="ctr"/>
             <a:r>
-              <a:rPr lang="" altLang="en-US" sz="1000"/>
+              <a:rPr lang="en-US" altLang="en-US" sz="1000"/>
               <a:t>Sample genome</a:t>
             </a:r>
-            <a:endParaRPr lang="" altLang="en-US" sz="1000"/>
+            <a:endParaRPr lang="en-US" altLang="en-US" sz="1000"/>
           </a:p>
         </p:txBody>
       </p:sp>
@@ -7414,12 +7391,8 @@
           <a:p>
             <a:pPr algn="ctr"/>
             <a:r>
-              <a:rPr lang="" altLang="en-US" sz="1000"/>
-              <a:t>Reference </a:t>
-            </a:r>
-            <a:r>
               <a:rPr lang="en-US" altLang="en-US" sz="1000"/>
-              <a:t>genome</a:t>
+              <a:t>Reference genome</a:t>
             </a:r>
             <a:endParaRPr lang="en-US" altLang="en-US" sz="1000"/>
           </a:p>
@@ -7759,22 +7732,13 @@
           <a:p>
             <a:pPr algn="ctr"/>
             <a:r>
-              <a:rPr lang="" altLang="en-US" sz="1000">
+              <a:rPr lang="en-US" altLang="en-US" sz="1000">
                 <a:solidFill>
                   <a:schemeClr val="tx1"/>
                 </a:solidFill>
                 <a:sym typeface="+mn-ea"/>
               </a:rPr>
-              <a:t>R</a:t>
-            </a:r>
-            <a:r>
-              <a:rPr lang="en-US" altLang="en-US" sz="1000">
-                <a:solidFill>
-                  <a:schemeClr val="tx1"/>
-                </a:solidFill>
-                <a:sym typeface="+mn-ea"/>
-              </a:rPr>
-              <a:t>earrangements</a:t>
+              <a:t>Rearrangements</a:t>
             </a:r>
             <a:endParaRPr lang="en-US" altLang="en-US" sz="1000">
               <a:solidFill>
@@ -7831,14 +7795,1140 @@
           <a:p>
             <a:pPr algn="ctr"/>
             <a:r>
-              <a:rPr lang="" altLang="en-US" sz="1000">
+              <a:rPr lang="en-US" altLang="en-US" sz="1000">
                 <a:solidFill>
                   <a:schemeClr val="tx1"/>
                 </a:solidFill>
                 <a:sym typeface="+mn-ea"/>
               </a:rPr>
-              <a:t>G</a:t>
-            </a:r>
+              <a:t>Gene fusion</a:t>
+            </a:r>
+            <a:endParaRPr lang="en-US" altLang="en-US" sz="1000">
+              <a:solidFill>
+                <a:schemeClr val="tx1"/>
+              </a:solidFill>
+              <a:sym typeface="+mn-ea"/>
+            </a:endParaRPr>
+          </a:p>
+        </p:txBody>
+      </p:sp>
+    </p:spTree>
+  </p:cSld>
+  <p:clrMapOvr>
+    <a:masterClrMapping/>
+  </p:clrMapOvr>
+</p:sld>
+</file>
+
+<file path=ppt/slides/slide7.xml><?xml version="1.0" encoding="utf-8"?>
+<p:sld xmlns:a="http://schemas.openxmlformats.org/drawingml/2006/main" xmlns:r="http://schemas.openxmlformats.org/officeDocument/2006/relationships" xmlns:p="http://schemas.openxmlformats.org/presentationml/2006/main">
+  <p:cSld>
+    <p:spTree>
+      <p:nvGrpSpPr>
+        <p:cNvPr id="1" name=""/>
+        <p:cNvGrpSpPr/>
+        <p:nvPr/>
+      </p:nvGrpSpPr>
+      <p:grpSpPr/>
+      <p:sp>
+        <p:nvSpPr>
+          <p:cNvPr id="46" name="Rounded Rectangle 45"/>
+          <p:cNvSpPr/>
+          <p:nvPr/>
+        </p:nvSpPr>
+        <p:spPr>
+          <a:xfrm>
+            <a:off x="4776470" y="2110105"/>
+            <a:ext cx="1420495" cy="884555"/>
+          </a:xfrm>
+          <a:prstGeom prst="roundRect">
+            <a:avLst/>
+          </a:prstGeom>
+          <a:solidFill>
+            <a:srgbClr val="00698A"/>
+          </a:solidFill>
+          <a:ln>
+            <a:noFill/>
+          </a:ln>
+        </p:spPr>
+        <p:style>
+          <a:lnRef idx="2">
+            <a:schemeClr val="accent1">
+              <a:shade val="50000"/>
+            </a:schemeClr>
+          </a:lnRef>
+          <a:fillRef idx="1">
+            <a:schemeClr val="accent1"/>
+          </a:fillRef>
+          <a:effectRef idx="0">
+            <a:schemeClr val="accent1"/>
+          </a:effectRef>
+          <a:fontRef idx="minor">
+            <a:schemeClr val="lt1"/>
+          </a:fontRef>
+        </p:style>
+        <p:txBody>
+          <a:bodyPr rtlCol="0" anchor="ctr"/>
+          <a:p>
+            <a:pPr algn="ctr"/>
+            <a:r>
+              <a:rPr lang="en-US" altLang="en-US" sz="1200" b="1">
+                <a:solidFill>
+                  <a:srgbClr val="ECF2F8"/>
+                </a:solidFill>
+              </a:rPr>
+              <a:t>SV detection</a:t>
+            </a:r>
+            <a:endParaRPr lang="en-US" altLang="en-US" sz="1200">
+              <a:solidFill>
+                <a:srgbClr val="ECF2F8"/>
+              </a:solidFill>
+            </a:endParaRPr>
+          </a:p>
+          <a:p>
+            <a:pPr algn="ctr"/>
+            <a:r>
+              <a:rPr lang="en-US" altLang="en-US" sz="1200">
+                <a:solidFill>
+                  <a:srgbClr val="ECF2F8"/>
+                </a:solidFill>
+              </a:rPr>
+              <a:t>Lumpy/</a:t>
+            </a:r>
+            <a:endParaRPr lang="en-US" altLang="en-US" sz="1200">
+              <a:solidFill>
+                <a:srgbClr val="ECF2F8"/>
+              </a:solidFill>
+            </a:endParaRPr>
+          </a:p>
+          <a:p>
+            <a:pPr algn="ctr"/>
+            <a:r>
+              <a:rPr lang="en-US" altLang="en-US" sz="1200">
+                <a:solidFill>
+                  <a:srgbClr val="ECF2F8"/>
+                </a:solidFill>
+              </a:rPr>
+              <a:t>Sniffles</a:t>
+            </a:r>
+            <a:endParaRPr lang="en-US" altLang="en-US" sz="1200">
+              <a:solidFill>
+                <a:srgbClr val="ECF2F8"/>
+              </a:solidFill>
+            </a:endParaRPr>
+          </a:p>
+        </p:txBody>
+      </p:sp>
+      <p:pic>
+        <p:nvPicPr>
+          <p:cNvPr id="3" name="Picture 2"/>
+          <p:cNvPicPr>
+            <a:picLocks noChangeAspect="1"/>
+          </p:cNvPicPr>
+          <p:nvPr/>
+        </p:nvPicPr>
+        <p:blipFill>
+          <a:blip r:embed="rId1"/>
+          <a:stretch>
+            <a:fillRect/>
+          </a:stretch>
+        </p:blipFill>
+        <p:spPr>
+          <a:xfrm>
+            <a:off x="422275" y="1927860"/>
+            <a:ext cx="595630" cy="996950"/>
+          </a:xfrm>
+          <a:prstGeom prst="rect">
+            <a:avLst/>
+          </a:prstGeom>
+        </p:spPr>
+      </p:pic>
+      <p:sp>
+        <p:nvSpPr>
+          <p:cNvPr id="4" name="Rounded Rectangle 3"/>
+          <p:cNvSpPr/>
+          <p:nvPr/>
+        </p:nvSpPr>
+        <p:spPr>
+          <a:xfrm>
+            <a:off x="1499870" y="2550795"/>
+            <a:ext cx="1547495" cy="920115"/>
+          </a:xfrm>
+          <a:prstGeom prst="roundRect">
+            <a:avLst/>
+          </a:prstGeom>
+          <a:solidFill>
+            <a:srgbClr val="00698A"/>
+          </a:solidFill>
+          <a:ln>
+            <a:noFill/>
+          </a:ln>
+        </p:spPr>
+        <p:style>
+          <a:lnRef idx="2">
+            <a:schemeClr val="accent1">
+              <a:shade val="50000"/>
+            </a:schemeClr>
+          </a:lnRef>
+          <a:fillRef idx="1">
+            <a:schemeClr val="accent1"/>
+          </a:fillRef>
+          <a:effectRef idx="0">
+            <a:schemeClr val="accent1"/>
+          </a:effectRef>
+          <a:fontRef idx="minor">
+            <a:schemeClr val="lt1"/>
+          </a:fontRef>
+        </p:style>
+        <p:txBody>
+          <a:bodyPr rtlCol="0" anchor="ctr"/>
+          <a:p>
+            <a:pPr algn="ctr"/>
+            <a:r>
+              <a:rPr lang="en-US" altLang="en-US" sz="1200" b="1">
+                <a:solidFill>
+                  <a:srgbClr val="ECF2F8"/>
+                </a:solidFill>
+              </a:rPr>
+              <a:t>Alignment</a:t>
+            </a:r>
+            <a:endParaRPr lang="en-US" altLang="en-US" sz="1200">
+              <a:solidFill>
+                <a:srgbClr val="ECF2F8"/>
+              </a:solidFill>
+            </a:endParaRPr>
+          </a:p>
+          <a:p>
+            <a:pPr algn="ctr"/>
+            <a:r>
+              <a:rPr lang="en-US" altLang="en-US" sz="1200">
+                <a:solidFill>
+                  <a:srgbClr val="ECF2F8"/>
+                </a:solidFill>
+              </a:rPr>
+              <a:t>SpeedSeq</a:t>
+            </a:r>
+            <a:endParaRPr lang="en-US" altLang="en-US" sz="1200">
+              <a:solidFill>
+                <a:srgbClr val="ECF2F8"/>
+              </a:solidFill>
+            </a:endParaRPr>
+          </a:p>
+        </p:txBody>
+      </p:sp>
+      <p:pic>
+        <p:nvPicPr>
+          <p:cNvPr id="5" name="Picture 4"/>
+          <p:cNvPicPr>
+            <a:picLocks noChangeAspect="1"/>
+          </p:cNvPicPr>
+          <p:nvPr/>
+        </p:nvPicPr>
+        <p:blipFill>
+          <a:blip r:embed="rId1"/>
+          <a:stretch>
+            <a:fillRect/>
+          </a:stretch>
+        </p:blipFill>
+        <p:spPr>
+          <a:xfrm>
+            <a:off x="422275" y="3041650"/>
+            <a:ext cx="595630" cy="996950"/>
+          </a:xfrm>
+          <a:prstGeom prst="rect">
+            <a:avLst/>
+          </a:prstGeom>
+        </p:spPr>
+      </p:pic>
+      <p:sp>
+        <p:nvSpPr>
+          <p:cNvPr id="6" name="Rounded Rectangle 5"/>
+          <p:cNvSpPr/>
+          <p:nvPr/>
+        </p:nvSpPr>
+        <p:spPr>
+          <a:xfrm>
+            <a:off x="3320415" y="1347470"/>
+            <a:ext cx="1102360" cy="382905"/>
+          </a:xfrm>
+          <a:prstGeom prst="roundRect">
+            <a:avLst>
+              <a:gd name="adj" fmla="val 0"/>
+            </a:avLst>
+          </a:prstGeom>
+          <a:solidFill>
+            <a:schemeClr val="bg1"/>
+          </a:solidFill>
+          <a:ln w="34925">
+            <a:solidFill>
+              <a:srgbClr val="00698A"/>
+            </a:solidFill>
+          </a:ln>
+        </p:spPr>
+        <p:style>
+          <a:lnRef idx="2">
+            <a:schemeClr val="accent1">
+              <a:shade val="50000"/>
+            </a:schemeClr>
+          </a:lnRef>
+          <a:fillRef idx="1">
+            <a:schemeClr val="accent1"/>
+          </a:fillRef>
+          <a:effectRef idx="0">
+            <a:schemeClr val="accent1"/>
+          </a:effectRef>
+          <a:fontRef idx="minor">
+            <a:schemeClr val="lt1"/>
+          </a:fontRef>
+        </p:style>
+        <p:txBody>
+          <a:bodyPr rtlCol="0" anchor="ctr"/>
+          <a:p>
+            <a:pPr algn="ctr"/>
+            <a:r>
+              <a:rPr lang="en-US" altLang="en-US" sz="1000">
+                <a:solidFill>
+                  <a:schemeClr val="tx1"/>
+                </a:solidFill>
+              </a:rPr>
+              <a:t>Concordance reads</a:t>
+            </a:r>
+            <a:endParaRPr lang="en-US" altLang="en-US" sz="1000">
+              <a:solidFill>
+                <a:schemeClr val="tx1"/>
+              </a:solidFill>
+            </a:endParaRPr>
+          </a:p>
+        </p:txBody>
+      </p:sp>
+      <p:sp>
+        <p:nvSpPr>
+          <p:cNvPr id="7" name="Rounded Rectangle 6"/>
+          <p:cNvSpPr/>
+          <p:nvPr/>
+        </p:nvSpPr>
+        <p:spPr>
+          <a:xfrm>
+            <a:off x="3320415" y="1775460"/>
+            <a:ext cx="1102360" cy="388620"/>
+          </a:xfrm>
+          <a:prstGeom prst="roundRect">
+            <a:avLst>
+              <a:gd name="adj" fmla="val 0"/>
+            </a:avLst>
+          </a:prstGeom>
+          <a:solidFill>
+            <a:schemeClr val="bg1"/>
+          </a:solidFill>
+          <a:ln w="34925">
+            <a:solidFill>
+              <a:srgbClr val="00698A"/>
+            </a:solidFill>
+          </a:ln>
+        </p:spPr>
+        <p:style>
+          <a:lnRef idx="2">
+            <a:schemeClr val="accent1">
+              <a:shade val="50000"/>
+            </a:schemeClr>
+          </a:lnRef>
+          <a:fillRef idx="1">
+            <a:schemeClr val="accent1"/>
+          </a:fillRef>
+          <a:effectRef idx="0">
+            <a:schemeClr val="accent1"/>
+          </a:effectRef>
+          <a:fontRef idx="minor">
+            <a:schemeClr val="lt1"/>
+          </a:fontRef>
+        </p:style>
+        <p:txBody>
+          <a:bodyPr rtlCol="0" anchor="ctr"/>
+          <a:p>
+            <a:pPr algn="ctr"/>
+            <a:r>
+              <a:rPr lang="en-US" altLang="en-US" sz="1000">
+                <a:solidFill>
+                  <a:schemeClr val="tx1"/>
+                </a:solidFill>
+              </a:rPr>
+              <a:t> Discordance  reads</a:t>
+            </a:r>
+            <a:endParaRPr lang="en-US" altLang="en-US" sz="1000">
+              <a:solidFill>
+                <a:schemeClr val="tx1"/>
+              </a:solidFill>
+            </a:endParaRPr>
+          </a:p>
+        </p:txBody>
+      </p:sp>
+      <p:sp>
+        <p:nvSpPr>
+          <p:cNvPr id="8" name="Rounded Rectangle 7"/>
+          <p:cNvSpPr/>
+          <p:nvPr/>
+        </p:nvSpPr>
+        <p:spPr>
+          <a:xfrm>
+            <a:off x="3320415" y="2211070"/>
+            <a:ext cx="1102360" cy="339725"/>
+          </a:xfrm>
+          <a:prstGeom prst="roundRect">
+            <a:avLst>
+              <a:gd name="adj" fmla="val 0"/>
+            </a:avLst>
+          </a:prstGeom>
+          <a:solidFill>
+            <a:schemeClr val="bg1"/>
+          </a:solidFill>
+          <a:ln w="34925">
+            <a:solidFill>
+              <a:srgbClr val="00698A"/>
+            </a:solidFill>
+          </a:ln>
+        </p:spPr>
+        <p:style>
+          <a:lnRef idx="2">
+            <a:schemeClr val="accent1">
+              <a:shade val="50000"/>
+            </a:schemeClr>
+          </a:lnRef>
+          <a:fillRef idx="1">
+            <a:schemeClr val="accent1"/>
+          </a:fillRef>
+          <a:effectRef idx="0">
+            <a:schemeClr val="accent1"/>
+          </a:effectRef>
+          <a:fontRef idx="minor">
+            <a:schemeClr val="lt1"/>
+          </a:fontRef>
+        </p:style>
+        <p:txBody>
+          <a:bodyPr rtlCol="0" anchor="ctr"/>
+          <a:p>
+            <a:pPr algn="ctr"/>
+            <a:r>
+              <a:rPr lang="en-US" altLang="en-US" sz="1000">
+                <a:solidFill>
+                  <a:schemeClr val="tx1"/>
+                </a:solidFill>
+              </a:rPr>
+              <a:t>Split reads</a:t>
+            </a:r>
+            <a:endParaRPr lang="en-US" altLang="en-US" sz="1000">
+              <a:solidFill>
+                <a:schemeClr val="tx1"/>
+              </a:solidFill>
+            </a:endParaRPr>
+          </a:p>
+        </p:txBody>
+      </p:sp>
+      <p:sp>
+        <p:nvSpPr>
+          <p:cNvPr id="10" name="Rounded Rectangle 9"/>
+          <p:cNvSpPr/>
+          <p:nvPr/>
+        </p:nvSpPr>
+        <p:spPr>
+          <a:xfrm>
+            <a:off x="4776470" y="3145790"/>
+            <a:ext cx="1420495" cy="914400"/>
+          </a:xfrm>
+          <a:prstGeom prst="roundRect">
+            <a:avLst/>
+          </a:prstGeom>
+          <a:solidFill>
+            <a:srgbClr val="00698A"/>
+          </a:solidFill>
+          <a:ln>
+            <a:noFill/>
+          </a:ln>
+        </p:spPr>
+        <p:style>
+          <a:lnRef idx="2">
+            <a:schemeClr val="accent1">
+              <a:shade val="50000"/>
+            </a:schemeClr>
+          </a:lnRef>
+          <a:fillRef idx="1">
+            <a:schemeClr val="accent1"/>
+          </a:fillRef>
+          <a:effectRef idx="0">
+            <a:schemeClr val="accent1"/>
+          </a:effectRef>
+          <a:fontRef idx="minor">
+            <a:schemeClr val="lt1"/>
+          </a:fontRef>
+        </p:style>
+        <p:txBody>
+          <a:bodyPr rtlCol="0" anchor="ctr"/>
+          <a:p>
+            <a:pPr algn="ctr"/>
+            <a:r>
+              <a:rPr lang="en-US" altLang="en-US" sz="1200" b="1">
+                <a:solidFill>
+                  <a:srgbClr val="ECF2F8"/>
+                </a:solidFill>
+              </a:rPr>
+              <a:t>Copy number</a:t>
+            </a:r>
+            <a:endParaRPr lang="en-US" altLang="en-US" sz="1200" b="1">
+              <a:solidFill>
+                <a:srgbClr val="ECF2F8"/>
+              </a:solidFill>
+            </a:endParaRPr>
+          </a:p>
+          <a:p>
+            <a:pPr algn="ctr"/>
+            <a:r>
+              <a:rPr lang="en-US" altLang="en-US" sz="1200">
+                <a:solidFill>
+                  <a:srgbClr val="ECF2F8"/>
+                </a:solidFill>
+              </a:rPr>
+              <a:t>Copycat</a:t>
+            </a:r>
+            <a:endParaRPr lang="en-US" altLang="en-US" sz="1200">
+              <a:solidFill>
+                <a:srgbClr val="ECF2F8"/>
+              </a:solidFill>
+            </a:endParaRPr>
+          </a:p>
+        </p:txBody>
+      </p:sp>
+      <p:sp>
+        <p:nvSpPr>
+          <p:cNvPr id="11" name="Rounded Rectangle 10"/>
+          <p:cNvSpPr/>
+          <p:nvPr/>
+        </p:nvSpPr>
+        <p:spPr>
+          <a:xfrm>
+            <a:off x="3303270" y="3497580"/>
+            <a:ext cx="1102360" cy="382905"/>
+          </a:xfrm>
+          <a:prstGeom prst="roundRect">
+            <a:avLst>
+              <a:gd name="adj" fmla="val 0"/>
+            </a:avLst>
+          </a:prstGeom>
+          <a:solidFill>
+            <a:schemeClr val="bg1"/>
+          </a:solidFill>
+          <a:ln w="34925">
+            <a:solidFill>
+              <a:srgbClr val="00698A"/>
+            </a:solidFill>
+          </a:ln>
+        </p:spPr>
+        <p:style>
+          <a:lnRef idx="2">
+            <a:schemeClr val="accent1">
+              <a:shade val="50000"/>
+            </a:schemeClr>
+          </a:lnRef>
+          <a:fillRef idx="1">
+            <a:schemeClr val="accent1"/>
+          </a:fillRef>
+          <a:effectRef idx="0">
+            <a:schemeClr val="accent1"/>
+          </a:effectRef>
+          <a:fontRef idx="minor">
+            <a:schemeClr val="lt1"/>
+          </a:fontRef>
+        </p:style>
+        <p:txBody>
+          <a:bodyPr rtlCol="0" anchor="ctr"/>
+          <a:p>
+            <a:pPr algn="ctr"/>
+            <a:r>
+              <a:rPr lang="en-US" altLang="en-US" sz="1000">
+                <a:solidFill>
+                  <a:schemeClr val="tx1"/>
+                </a:solidFill>
+              </a:rPr>
+              <a:t>Concordance reads</a:t>
+            </a:r>
+            <a:endParaRPr lang="en-US" altLang="en-US" sz="1000">
+              <a:solidFill>
+                <a:schemeClr val="tx1"/>
+              </a:solidFill>
+            </a:endParaRPr>
+          </a:p>
+        </p:txBody>
+      </p:sp>
+      <p:sp>
+        <p:nvSpPr>
+          <p:cNvPr id="12" name="Rounded Rectangle 11"/>
+          <p:cNvSpPr/>
+          <p:nvPr/>
+        </p:nvSpPr>
+        <p:spPr>
+          <a:xfrm>
+            <a:off x="6480175" y="2152015"/>
+            <a:ext cx="1102360" cy="382905"/>
+          </a:xfrm>
+          <a:prstGeom prst="roundRect">
+            <a:avLst>
+              <a:gd name="adj" fmla="val 0"/>
+            </a:avLst>
+          </a:prstGeom>
+          <a:solidFill>
+            <a:schemeClr val="bg1"/>
+          </a:solidFill>
+          <a:ln w="34925">
+            <a:solidFill>
+              <a:srgbClr val="00698A"/>
+            </a:solidFill>
+          </a:ln>
+        </p:spPr>
+        <p:style>
+          <a:lnRef idx="2">
+            <a:schemeClr val="accent1">
+              <a:shade val="50000"/>
+            </a:schemeClr>
+          </a:lnRef>
+          <a:fillRef idx="1">
+            <a:schemeClr val="accent1"/>
+          </a:fillRef>
+          <a:effectRef idx="0">
+            <a:schemeClr val="accent1"/>
+          </a:effectRef>
+          <a:fontRef idx="minor">
+            <a:schemeClr val="lt1"/>
+          </a:fontRef>
+        </p:style>
+        <p:txBody>
+          <a:bodyPr rtlCol="0" anchor="ctr"/>
+          <a:p>
+            <a:pPr algn="ctr"/>
+            <a:r>
+              <a:rPr lang="en-US" altLang="en-US" sz="1000">
+                <a:solidFill>
+                  <a:schemeClr val="tx1"/>
+                </a:solidFill>
+              </a:rPr>
+              <a:t>Variant calling file</a:t>
+            </a:r>
+            <a:endParaRPr lang="en-US" altLang="en-US" sz="1000">
+              <a:solidFill>
+                <a:schemeClr val="tx1"/>
+              </a:solidFill>
+            </a:endParaRPr>
+          </a:p>
+        </p:txBody>
+      </p:sp>
+      <p:sp>
+        <p:nvSpPr>
+          <p:cNvPr id="13" name="Rounded Rectangle 12"/>
+          <p:cNvSpPr/>
+          <p:nvPr/>
+        </p:nvSpPr>
+        <p:spPr>
+          <a:xfrm>
+            <a:off x="6489065" y="3527425"/>
+            <a:ext cx="1102360" cy="382905"/>
+          </a:xfrm>
+          <a:prstGeom prst="roundRect">
+            <a:avLst>
+              <a:gd name="adj" fmla="val 0"/>
+            </a:avLst>
+          </a:prstGeom>
+          <a:solidFill>
+            <a:schemeClr val="bg1"/>
+          </a:solidFill>
+          <a:ln w="34925">
+            <a:solidFill>
+              <a:srgbClr val="00698A"/>
+            </a:solidFill>
+          </a:ln>
+        </p:spPr>
+        <p:style>
+          <a:lnRef idx="2">
+            <a:schemeClr val="accent1">
+              <a:shade val="50000"/>
+            </a:schemeClr>
+          </a:lnRef>
+          <a:fillRef idx="1">
+            <a:schemeClr val="accent1"/>
+          </a:fillRef>
+          <a:effectRef idx="0">
+            <a:schemeClr val="accent1"/>
+          </a:effectRef>
+          <a:fontRef idx="minor">
+            <a:schemeClr val="lt1"/>
+          </a:fontRef>
+        </p:style>
+        <p:txBody>
+          <a:bodyPr rtlCol="0" anchor="ctr"/>
+          <a:p>
+            <a:pPr algn="ctr"/>
+            <a:r>
+              <a:rPr lang="en-US" altLang="en-US" sz="1000">
+                <a:solidFill>
+                  <a:schemeClr val="tx1"/>
+                </a:solidFill>
+              </a:rPr>
+              <a:t>Copy numbers</a:t>
+            </a:r>
+            <a:endParaRPr lang="en-US" altLang="en-US" sz="1000">
+              <a:solidFill>
+                <a:schemeClr val="tx1"/>
+              </a:solidFill>
+            </a:endParaRPr>
+          </a:p>
+        </p:txBody>
+      </p:sp>
+      <p:sp>
+        <p:nvSpPr>
+          <p:cNvPr id="14" name="Rounded Rectangle 13"/>
+          <p:cNvSpPr/>
+          <p:nvPr/>
+        </p:nvSpPr>
+        <p:spPr>
+          <a:xfrm>
+            <a:off x="7847330" y="2533015"/>
+            <a:ext cx="1547495" cy="1071880"/>
+          </a:xfrm>
+          <a:prstGeom prst="roundRect">
+            <a:avLst/>
+          </a:prstGeom>
+          <a:solidFill>
+            <a:srgbClr val="00698A"/>
+          </a:solidFill>
+          <a:ln>
+            <a:noFill/>
+          </a:ln>
+        </p:spPr>
+        <p:style>
+          <a:lnRef idx="2">
+            <a:schemeClr val="accent1">
+              <a:shade val="50000"/>
+            </a:schemeClr>
+          </a:lnRef>
+          <a:fillRef idx="1">
+            <a:schemeClr val="accent1"/>
+          </a:fillRef>
+          <a:effectRef idx="0">
+            <a:schemeClr val="accent1"/>
+          </a:effectRef>
+          <a:fontRef idx="minor">
+            <a:schemeClr val="lt1"/>
+          </a:fontRef>
+        </p:style>
+        <p:txBody>
+          <a:bodyPr rtlCol="0" anchor="ctr"/>
+          <a:p>
+            <a:pPr algn="ctr"/>
+            <a:r>
+              <a:rPr lang="en-US" altLang="en-US" sz="1200" b="1">
+                <a:solidFill>
+                  <a:srgbClr val="ECF2F8"/>
+                </a:solidFill>
+              </a:rPr>
+              <a:t>SplitThreader</a:t>
+            </a:r>
+            <a:endParaRPr lang="en-US" altLang="en-US" sz="1200" b="1">
+              <a:solidFill>
+                <a:srgbClr val="ECF2F8"/>
+              </a:solidFill>
+            </a:endParaRPr>
+          </a:p>
+        </p:txBody>
+      </p:sp>
+      <p:sp>
+        <p:nvSpPr>
+          <p:cNvPr id="18" name="Text Box 17"/>
+          <p:cNvSpPr txBox="1"/>
+          <p:nvPr/>
+        </p:nvSpPr>
+        <p:spPr>
+          <a:xfrm>
+            <a:off x="257175" y="1529080"/>
+            <a:ext cx="925830" cy="398780"/>
+          </a:xfrm>
+          <a:prstGeom prst="rect">
+            <a:avLst/>
+          </a:prstGeom>
+          <a:noFill/>
+        </p:spPr>
+        <p:txBody>
+          <a:bodyPr wrap="square" rtlCol="0">
+            <a:spAutoFit/>
+          </a:bodyPr>
+          <a:p>
+            <a:pPr algn="ctr"/>
+            <a:r>
+              <a:rPr lang="en-US" altLang="en-US" sz="1000"/>
+              <a:t>Sample genome</a:t>
+            </a:r>
+            <a:endParaRPr lang="en-US" altLang="en-US" sz="1000"/>
+          </a:p>
+        </p:txBody>
+      </p:sp>
+      <p:sp>
+        <p:nvSpPr>
+          <p:cNvPr id="19" name="Text Box 18"/>
+          <p:cNvSpPr txBox="1"/>
+          <p:nvPr/>
+        </p:nvSpPr>
+        <p:spPr>
+          <a:xfrm>
+            <a:off x="257175" y="4113530"/>
+            <a:ext cx="925830" cy="398780"/>
+          </a:xfrm>
+          <a:prstGeom prst="rect">
+            <a:avLst/>
+          </a:prstGeom>
+          <a:noFill/>
+        </p:spPr>
+        <p:txBody>
+          <a:bodyPr wrap="square" rtlCol="0">
+            <a:spAutoFit/>
+          </a:bodyPr>
+          <a:p>
+            <a:pPr algn="ctr"/>
+            <a:r>
+              <a:rPr lang="en-US" altLang="en-US" sz="1000"/>
+              <a:t>Reference genome</a:t>
+            </a:r>
+            <a:endParaRPr lang="en-US" altLang="en-US" sz="1000"/>
+          </a:p>
+        </p:txBody>
+      </p:sp>
+      <p:cxnSp>
+        <p:nvCxnSpPr>
+          <p:cNvPr id="20" name="Straight Arrow Connector 19"/>
+          <p:cNvCxnSpPr/>
+          <p:nvPr/>
+        </p:nvCxnSpPr>
+        <p:spPr>
+          <a:xfrm>
+            <a:off x="1065530" y="2780030"/>
+            <a:ext cx="336550" cy="9525"/>
+          </a:xfrm>
+          <a:prstGeom prst="straightConnector1">
+            <a:avLst/>
+          </a:prstGeom>
+          <a:ln w="44450">
+            <a:solidFill>
+              <a:srgbClr val="00698A"/>
+            </a:solidFill>
+            <a:tailEnd type="arrow"/>
+          </a:ln>
+        </p:spPr>
+        <p:style>
+          <a:lnRef idx="1">
+            <a:schemeClr val="accent1"/>
+          </a:lnRef>
+          <a:fillRef idx="0">
+            <a:schemeClr val="accent1"/>
+          </a:fillRef>
+          <a:effectRef idx="0">
+            <a:schemeClr val="accent1"/>
+          </a:effectRef>
+          <a:fontRef idx="minor">
+            <a:schemeClr val="tx1"/>
+          </a:fontRef>
+        </p:style>
+      </p:cxnSp>
+      <p:cxnSp>
+        <p:nvCxnSpPr>
+          <p:cNvPr id="21" name="Straight Arrow Connector 20"/>
+          <p:cNvCxnSpPr/>
+          <p:nvPr/>
+        </p:nvCxnSpPr>
+        <p:spPr>
+          <a:xfrm>
+            <a:off x="1065530" y="3225800"/>
+            <a:ext cx="336550" cy="9525"/>
+          </a:xfrm>
+          <a:prstGeom prst="straightConnector1">
+            <a:avLst/>
+          </a:prstGeom>
+          <a:ln w="44450">
+            <a:solidFill>
+              <a:srgbClr val="00698A"/>
+            </a:solidFill>
+            <a:tailEnd type="arrow"/>
+          </a:ln>
+        </p:spPr>
+        <p:style>
+          <a:lnRef idx="1">
+            <a:schemeClr val="accent1"/>
+          </a:lnRef>
+          <a:fillRef idx="0">
+            <a:schemeClr val="accent1"/>
+          </a:fillRef>
+          <a:effectRef idx="0">
+            <a:schemeClr val="accent1"/>
+          </a:effectRef>
+          <a:fontRef idx="minor">
+            <a:schemeClr val="tx1"/>
+          </a:fontRef>
+        </p:style>
+      </p:cxnSp>
+      <p:cxnSp>
+        <p:nvCxnSpPr>
+          <p:cNvPr id="22" name="Straight Arrow Connector 21"/>
+          <p:cNvCxnSpPr/>
+          <p:nvPr/>
+        </p:nvCxnSpPr>
+        <p:spPr>
+          <a:xfrm>
+            <a:off x="3188335" y="2770505"/>
+            <a:ext cx="1368425" cy="2540"/>
+          </a:xfrm>
+          <a:prstGeom prst="straightConnector1">
+            <a:avLst/>
+          </a:prstGeom>
+          <a:ln w="44450">
+            <a:solidFill>
+              <a:srgbClr val="00698A"/>
+            </a:solidFill>
+            <a:tailEnd type="arrow"/>
+          </a:ln>
+        </p:spPr>
+        <p:style>
+          <a:lnRef idx="1">
+            <a:schemeClr val="accent1"/>
+          </a:lnRef>
+          <a:fillRef idx="0">
+            <a:schemeClr val="accent1"/>
+          </a:fillRef>
+          <a:effectRef idx="0">
+            <a:schemeClr val="accent1"/>
+          </a:effectRef>
+          <a:fontRef idx="minor">
+            <a:schemeClr val="tx1"/>
+          </a:fontRef>
+        </p:style>
+      </p:cxnSp>
+      <p:cxnSp>
+        <p:nvCxnSpPr>
+          <p:cNvPr id="23" name="Straight Arrow Connector 22"/>
+          <p:cNvCxnSpPr/>
+          <p:nvPr/>
+        </p:nvCxnSpPr>
+        <p:spPr>
+          <a:xfrm>
+            <a:off x="3214370" y="3288030"/>
+            <a:ext cx="1368425" cy="2540"/>
+          </a:xfrm>
+          <a:prstGeom prst="straightConnector1">
+            <a:avLst/>
+          </a:prstGeom>
+          <a:ln w="44450">
+            <a:solidFill>
+              <a:srgbClr val="00698A"/>
+            </a:solidFill>
+            <a:tailEnd type="arrow"/>
+          </a:ln>
+        </p:spPr>
+        <p:style>
+          <a:lnRef idx="1">
+            <a:schemeClr val="accent1"/>
+          </a:lnRef>
+          <a:fillRef idx="0">
+            <a:schemeClr val="accent1"/>
+          </a:fillRef>
+          <a:effectRef idx="0">
+            <a:schemeClr val="accent1"/>
+          </a:effectRef>
+          <a:fontRef idx="minor">
+            <a:schemeClr val="tx1"/>
+          </a:fontRef>
+        </p:style>
+      </p:cxnSp>
+      <p:cxnSp>
+        <p:nvCxnSpPr>
+          <p:cNvPr id="24" name="Straight Arrow Connector 23"/>
+          <p:cNvCxnSpPr/>
+          <p:nvPr/>
+        </p:nvCxnSpPr>
+        <p:spPr>
+          <a:xfrm>
+            <a:off x="6356350" y="2789555"/>
+            <a:ext cx="1368425" cy="2540"/>
+          </a:xfrm>
+          <a:prstGeom prst="straightConnector1">
+            <a:avLst/>
+          </a:prstGeom>
+          <a:ln w="44450">
+            <a:solidFill>
+              <a:srgbClr val="00698A"/>
+            </a:solidFill>
+            <a:tailEnd type="arrow"/>
+          </a:ln>
+        </p:spPr>
+        <p:style>
+          <a:lnRef idx="1">
+            <a:schemeClr val="accent1"/>
+          </a:lnRef>
+          <a:fillRef idx="0">
+            <a:schemeClr val="accent1"/>
+          </a:fillRef>
+          <a:effectRef idx="0">
+            <a:schemeClr val="accent1"/>
+          </a:effectRef>
+          <a:fontRef idx="minor">
+            <a:schemeClr val="tx1"/>
+          </a:fontRef>
+        </p:style>
+      </p:cxnSp>
+      <p:cxnSp>
+        <p:nvCxnSpPr>
+          <p:cNvPr id="25" name="Straight Arrow Connector 24"/>
+          <p:cNvCxnSpPr/>
+          <p:nvPr/>
+        </p:nvCxnSpPr>
+        <p:spPr>
+          <a:xfrm>
+            <a:off x="6356350" y="3290570"/>
+            <a:ext cx="1368425" cy="2540"/>
+          </a:xfrm>
+          <a:prstGeom prst="straightConnector1">
+            <a:avLst/>
+          </a:prstGeom>
+          <a:ln w="44450">
+            <a:solidFill>
+              <a:srgbClr val="00698A"/>
+            </a:solidFill>
+            <a:tailEnd type="arrow"/>
+          </a:ln>
+        </p:spPr>
+        <p:style>
+          <a:lnRef idx="1">
+            <a:schemeClr val="accent1"/>
+          </a:lnRef>
+          <a:fillRef idx="0">
+            <a:schemeClr val="accent1"/>
+          </a:fillRef>
+          <a:effectRef idx="0">
+            <a:schemeClr val="accent1"/>
+          </a:effectRef>
+          <a:fontRef idx="minor">
+            <a:schemeClr val="tx1"/>
+          </a:fontRef>
+        </p:style>
+      </p:cxnSp>
+      <p:cxnSp>
+        <p:nvCxnSpPr>
+          <p:cNvPr id="26" name="Straight Arrow Connector 25"/>
+          <p:cNvCxnSpPr/>
+          <p:nvPr/>
+        </p:nvCxnSpPr>
+        <p:spPr>
+          <a:xfrm>
+            <a:off x="9483725" y="2767965"/>
+            <a:ext cx="330835" cy="10795"/>
+          </a:xfrm>
+          <a:prstGeom prst="straightConnector1">
+            <a:avLst/>
+          </a:prstGeom>
+          <a:ln w="44450">
+            <a:solidFill>
+              <a:srgbClr val="00698A"/>
+            </a:solidFill>
+            <a:tailEnd type="arrow"/>
+          </a:ln>
+        </p:spPr>
+        <p:style>
+          <a:lnRef idx="1">
+            <a:schemeClr val="accent1"/>
+          </a:lnRef>
+          <a:fillRef idx="0">
+            <a:schemeClr val="accent1"/>
+          </a:fillRef>
+          <a:effectRef idx="0">
+            <a:schemeClr val="accent1"/>
+          </a:effectRef>
+          <a:fontRef idx="minor">
+            <a:schemeClr val="tx1"/>
+          </a:fontRef>
+        </p:style>
+      </p:cxnSp>
+      <p:cxnSp>
+        <p:nvCxnSpPr>
+          <p:cNvPr id="27" name="Straight Arrow Connector 26"/>
+          <p:cNvCxnSpPr/>
+          <p:nvPr/>
+        </p:nvCxnSpPr>
+        <p:spPr>
+          <a:xfrm>
+            <a:off x="9483725" y="3277235"/>
+            <a:ext cx="330835" cy="10795"/>
+          </a:xfrm>
+          <a:prstGeom prst="straightConnector1">
+            <a:avLst/>
+          </a:prstGeom>
+          <a:ln w="44450">
+            <a:solidFill>
+              <a:srgbClr val="00698A"/>
+            </a:solidFill>
+            <a:tailEnd type="arrow"/>
+          </a:ln>
+        </p:spPr>
+        <p:style>
+          <a:lnRef idx="1">
+            <a:schemeClr val="accent1"/>
+          </a:lnRef>
+          <a:fillRef idx="0">
+            <a:schemeClr val="accent1"/>
+          </a:fillRef>
+          <a:effectRef idx="0">
+            <a:schemeClr val="accent1"/>
+          </a:effectRef>
+          <a:fontRef idx="minor">
+            <a:schemeClr val="tx1"/>
+          </a:fontRef>
+        </p:style>
+      </p:cxnSp>
+      <p:sp>
+        <p:nvSpPr>
+          <p:cNvPr id="31" name="Rounded Rectangle 30"/>
+          <p:cNvSpPr/>
+          <p:nvPr/>
+        </p:nvSpPr>
+        <p:spPr>
+          <a:xfrm>
+            <a:off x="9869170" y="2581910"/>
+            <a:ext cx="1289050" cy="382905"/>
+          </a:xfrm>
+          <a:prstGeom prst="roundRect">
+            <a:avLst>
+              <a:gd name="adj" fmla="val 0"/>
+            </a:avLst>
+          </a:prstGeom>
+          <a:solidFill>
+            <a:schemeClr val="bg1"/>
+          </a:solidFill>
+          <a:ln w="34925">
+            <a:solidFill>
+              <a:srgbClr val="00698A"/>
+            </a:solidFill>
+          </a:ln>
+        </p:spPr>
+        <p:style>
+          <a:lnRef idx="2">
+            <a:schemeClr val="accent1">
+              <a:shade val="50000"/>
+            </a:schemeClr>
+          </a:lnRef>
+          <a:fillRef idx="1">
+            <a:schemeClr val="accent1"/>
+          </a:fillRef>
+          <a:effectRef idx="0">
+            <a:schemeClr val="accent1"/>
+          </a:effectRef>
+          <a:fontRef idx="minor">
+            <a:schemeClr val="lt1"/>
+          </a:fontRef>
+        </p:style>
+        <p:txBody>
+          <a:bodyPr rtlCol="0" anchor="ctr"/>
+          <a:p>
+            <a:pPr algn="ctr"/>
             <a:r>
               <a:rPr lang="en-US" altLang="en-US" sz="1000">
                 <a:solidFill>
@@ -7846,7 +8936,70 @@
                 </a:solidFill>
                 <a:sym typeface="+mn-ea"/>
               </a:rPr>
-              <a:t>ene fusion</a:t>
+              <a:t>Rearrangements</a:t>
+            </a:r>
+            <a:endParaRPr lang="en-US" altLang="en-US" sz="1000">
+              <a:solidFill>
+                <a:schemeClr val="tx1"/>
+              </a:solidFill>
+              <a:sym typeface="+mn-ea"/>
+            </a:endParaRPr>
+          </a:p>
+        </p:txBody>
+      </p:sp>
+      <p:sp>
+        <p:nvSpPr>
+          <p:cNvPr id="32" name="Rounded Rectangle 31"/>
+          <p:cNvSpPr/>
+          <p:nvPr/>
+        </p:nvSpPr>
+        <p:spPr>
+          <a:xfrm>
+            <a:off x="9869170" y="3114675"/>
+            <a:ext cx="1289050" cy="382905"/>
+          </a:xfrm>
+          <a:prstGeom prst="roundRect">
+            <a:avLst>
+              <a:gd name="adj" fmla="val 0"/>
+            </a:avLst>
+          </a:prstGeom>
+          <a:solidFill>
+            <a:schemeClr val="bg1"/>
+          </a:solidFill>
+          <a:ln w="34925">
+            <a:solidFill>
+              <a:srgbClr val="00698A"/>
+            </a:solidFill>
+          </a:ln>
+        </p:spPr>
+        <p:style>
+          <a:lnRef idx="2">
+            <a:schemeClr val="accent1">
+              <a:shade val="50000"/>
+            </a:schemeClr>
+          </a:lnRef>
+          <a:fillRef idx="1">
+            <a:schemeClr val="accent1"/>
+          </a:fillRef>
+          <a:effectRef idx="0">
+            <a:schemeClr val="accent1"/>
+          </a:effectRef>
+          <a:fontRef idx="minor">
+            <a:schemeClr val="lt1"/>
+          </a:fontRef>
+        </p:style>
+        <p:txBody>
+          <a:bodyPr rtlCol="0" anchor="ctr"/>
+          <a:p>
+            <a:pPr algn="ctr"/>
+            <a:r>
+              <a:rPr lang="en-US" altLang="en-US" sz="1000">
+                <a:solidFill>
+                  <a:schemeClr val="tx1"/>
+                </a:solidFill>
+                <a:sym typeface="+mn-ea"/>
+              </a:rPr>
+              <a:t>Gene fusion</a:t>
             </a:r>
             <a:endParaRPr lang="en-US" altLang="en-US" sz="1000">
               <a:solidFill>
